--- a/anrw-berlin-16/pathspider-poster.pptx
+++ b/anrw-berlin-16/pathspider-poster.pptx
@@ -2629,306 +2629,6 @@
       </p:grpSpPr>
       <p:sp>
         <p:nvSpPr>
-          <p:cNvPr id="45" name="TextShape 1"/>
-          <p:cNvSpPr txBox="1"/>
-          <p:nvPr/>
-        </p:nvSpPr>
-        <p:spPr>
-          <a:xfrm>
-            <a:off x="605305" y="3397001"/>
-            <a:ext cx="24333236" cy="4025879"/>
-          </a:xfrm>
-          <a:prstGeom prst="rect">
-            <a:avLst/>
-          </a:prstGeom>
-          <a:noFill/>
-          <a:ln>
-            <a:noFill/>
-          </a:ln>
-        </p:spPr>
-        <p:txBody>
-          <a:bodyPr lIns="75663" tIns="37832" rIns="75663" bIns="37832"/>
-          <a:lstStyle/>
-          <a:p>
-            <a:pPr algn="ctr"/>
-            <a:r>
-              <a:rPr lang="en-GB" sz="9576" spc="-1" dirty="0" err="1">
-                <a:solidFill>
-                  <a:srgbClr val="000000"/>
-                </a:solidFill>
-                <a:uFill>
-                  <a:solidFill>
-                    <a:srgbClr val="FFFFFF"/>
-                  </a:solidFill>
-                </a:uFill>
-                <a:latin typeface="Helvetica Neue"/>
-              </a:rPr>
-              <a:t>PATHspider</a:t>
-            </a:r>
-            <a:r>
-              <a:rPr lang="en-GB" sz="9576" spc="-1" dirty="0">
-                <a:solidFill>
-                  <a:srgbClr val="000000"/>
-                </a:solidFill>
-                <a:uFill>
-                  <a:solidFill>
-                    <a:srgbClr val="FFFFFF"/>
-                  </a:solidFill>
-                </a:uFill>
-                <a:latin typeface="Helvetica Neue"/>
-              </a:rPr>
-              <a:t>: A </a:t>
-            </a:r>
-            <a:r>
-              <a:rPr lang="en-GB" sz="9576" spc="-1" dirty="0">
-                <a:solidFill>
-                  <a:srgbClr val="000000"/>
-                </a:solidFill>
-                <a:uFill>
-                  <a:solidFill>
-                    <a:srgbClr val="FFFFFF"/>
-                  </a:solidFill>
-                </a:uFill>
-                <a:latin typeface="Helvetica Neue"/>
-              </a:rPr>
-              <a:t>tool for active measurement of path transparency</a:t>
-            </a:r>
-            <a:endParaRPr lang="en-GB" sz="1513" spc="-1" dirty="0">
-              <a:solidFill>
-                <a:srgbClr val="000000"/>
-              </a:solidFill>
-              <a:uFill>
-                <a:solidFill>
-                  <a:srgbClr val="FFFFFF"/>
-                </a:solidFill>
-              </a:uFill>
-              <a:latin typeface="Helvetica Neue"/>
-            </a:endParaRPr>
-          </a:p>
-          <a:p>
-            <a:pPr algn="ctr"/>
-            <a:endParaRPr lang="en-GB" sz="1513" spc="-1" dirty="0">
-              <a:solidFill>
-                <a:srgbClr val="000000"/>
-              </a:solidFill>
-              <a:uFill>
-                <a:solidFill>
-                  <a:srgbClr val="FFFFFF"/>
-                </a:solidFill>
-              </a:uFill>
-              <a:latin typeface="Helvetica Neue"/>
-            </a:endParaRPr>
-          </a:p>
-        </p:txBody>
-      </p:sp>
-      <p:sp>
-        <p:nvSpPr>
-          <p:cNvPr id="46" name="TextShape 2"/>
-          <p:cNvSpPr txBox="1"/>
-          <p:nvPr/>
-        </p:nvSpPr>
-        <p:spPr>
-          <a:xfrm>
-            <a:off x="1236032" y="6423523"/>
-            <a:ext cx="22915614" cy="1364961"/>
-          </a:xfrm>
-          <a:prstGeom prst="rect">
-            <a:avLst/>
-          </a:prstGeom>
-          <a:noFill/>
-          <a:ln>
-            <a:noFill/>
-          </a:ln>
-        </p:spPr>
-        <p:txBody>
-          <a:bodyPr lIns="75663" tIns="37832" rIns="75663" bIns="37832"/>
-          <a:lstStyle/>
-          <a:p>
-            <a:pPr algn="ctr"/>
-            <a:r>
-              <a:rPr lang="en-GB" sz="5044" spc="-1" dirty="0">
-                <a:solidFill>
-                  <a:srgbClr val="000000"/>
-                </a:solidFill>
-                <a:uFill>
-                  <a:solidFill>
-                    <a:srgbClr val="FFFFFF"/>
-                  </a:solidFill>
-                </a:uFill>
-                <a:latin typeface="Helvetica Neue"/>
-              </a:rPr>
-              <a:t>Iain </a:t>
-            </a:r>
-            <a:r>
-              <a:rPr lang="en-GB" sz="5044" spc="-1" dirty="0">
-                <a:solidFill>
-                  <a:srgbClr val="000000"/>
-                </a:solidFill>
-                <a:uFill>
-                  <a:solidFill>
-                    <a:srgbClr val="FFFFFF"/>
-                  </a:solidFill>
-                </a:uFill>
-                <a:latin typeface="Helvetica Neue"/>
-              </a:rPr>
-              <a:t>Learmonth    Brian Trammell    </a:t>
-            </a:r>
-            <a:r>
-              <a:rPr lang="en-GB" sz="5044" spc="-1" dirty="0" err="1">
-                <a:solidFill>
-                  <a:srgbClr val="000000"/>
-                </a:solidFill>
-                <a:uFill>
-                  <a:solidFill>
-                    <a:srgbClr val="FFFFFF"/>
-                  </a:solidFill>
-                </a:uFill>
-                <a:latin typeface="Helvetica Neue"/>
-              </a:rPr>
-              <a:t>Mirja</a:t>
-            </a:r>
-            <a:r>
-              <a:rPr lang="en-GB" sz="5044" spc="-1" dirty="0">
-                <a:solidFill>
-                  <a:srgbClr val="000000"/>
-                </a:solidFill>
-                <a:uFill>
-                  <a:solidFill>
-                    <a:srgbClr val="FFFFFF"/>
-                  </a:solidFill>
-                </a:uFill>
-                <a:latin typeface="Helvetica Neue"/>
-              </a:rPr>
-              <a:t> K</a:t>
-            </a:r>
-            <a:r>
-              <a:rPr lang="en-US" sz="5044" spc="-1" dirty="0" err="1">
-                <a:solidFill>
-                  <a:srgbClr val="000000"/>
-                </a:solidFill>
-                <a:uFill>
-                  <a:solidFill>
-                    <a:srgbClr val="FFFFFF"/>
-                  </a:solidFill>
-                </a:uFill>
-                <a:latin typeface="Helvetica Neue"/>
-              </a:rPr>
-              <a:t>ü</a:t>
-            </a:r>
-            <a:r>
-              <a:rPr lang="en-GB" sz="5044" spc="-1" dirty="0" err="1">
-                <a:solidFill>
-                  <a:srgbClr val="000000"/>
-                </a:solidFill>
-                <a:uFill>
-                  <a:solidFill>
-                    <a:srgbClr val="FFFFFF"/>
-                  </a:solidFill>
-                </a:uFill>
-                <a:latin typeface="Helvetica Neue"/>
-              </a:rPr>
-              <a:t>hlewind</a:t>
-            </a:r>
-            <a:r>
-              <a:rPr lang="en-GB" sz="5044" spc="-1" dirty="0">
-                <a:solidFill>
-                  <a:srgbClr val="000000"/>
-                </a:solidFill>
-                <a:uFill>
-                  <a:solidFill>
-                    <a:srgbClr val="FFFFFF"/>
-                  </a:solidFill>
-                </a:uFill>
-                <a:latin typeface="Helvetica Neue"/>
-              </a:rPr>
-              <a:t>    </a:t>
-            </a:r>
-            <a:r>
-              <a:rPr lang="en-GB" sz="5044" spc="-1" dirty="0" err="1">
-                <a:solidFill>
-                  <a:srgbClr val="000000"/>
-                </a:solidFill>
-                <a:uFill>
-                  <a:solidFill>
-                    <a:srgbClr val="FFFFFF"/>
-                  </a:solidFill>
-                </a:uFill>
-                <a:latin typeface="Helvetica Neue"/>
-              </a:rPr>
-              <a:t>Gorry</a:t>
-            </a:r>
-            <a:r>
-              <a:rPr lang="en-GB" sz="5044" spc="-1" dirty="0">
-                <a:solidFill>
-                  <a:srgbClr val="000000"/>
-                </a:solidFill>
-                <a:uFill>
-                  <a:solidFill>
-                    <a:srgbClr val="FFFFFF"/>
-                  </a:solidFill>
-                </a:uFill>
-                <a:latin typeface="Helvetica Neue"/>
-              </a:rPr>
-              <a:t> </a:t>
-            </a:r>
-            <a:r>
-              <a:rPr lang="en-GB" sz="5044" spc="-1" dirty="0" err="1">
-                <a:solidFill>
-                  <a:srgbClr val="000000"/>
-                </a:solidFill>
-                <a:uFill>
-                  <a:solidFill>
-                    <a:srgbClr val="FFFFFF"/>
-                  </a:solidFill>
-                </a:uFill>
-                <a:latin typeface="Helvetica Neue"/>
-              </a:rPr>
-              <a:t>Fairhurst</a:t>
-            </a:r>
-            <a:endParaRPr lang="en-GB" sz="1513" spc="-1" dirty="0">
-              <a:solidFill>
-                <a:srgbClr val="000000"/>
-              </a:solidFill>
-              <a:uFill>
-                <a:solidFill>
-                  <a:srgbClr val="FFFFFF"/>
-                </a:solidFill>
-              </a:uFill>
-              <a:latin typeface="Helvetica Neue"/>
-            </a:endParaRPr>
-          </a:p>
-          <a:p>
-            <a:pPr algn="ctr"/>
-            <a:r>
-              <a:rPr lang="en-GB" sz="3699" spc="-1" dirty="0">
-                <a:solidFill>
-                  <a:srgbClr val="000000"/>
-                </a:solidFill>
-                <a:uFill>
-                  <a:solidFill>
-                    <a:srgbClr val="FFFFFF"/>
-                  </a:solidFill>
-                </a:uFill>
-                <a:latin typeface="Helvetica Neue"/>
-              </a:rPr>
-              <a:t>iain@erg.abdn.ac.uk trammell@tik.ee.ethz.ch mirja.kuelewind@tik.ee.ethz.ch gorry@erg.abdn.ac.uk</a:t>
-            </a:r>
-            <a:endParaRPr lang="en-GB" sz="1345" spc="-1" dirty="0">
-              <a:solidFill>
-                <a:srgbClr val="000000"/>
-              </a:solidFill>
-              <a:uFill>
-                <a:solidFill>
-                  <a:srgbClr val="FFFFFF"/>
-                </a:solidFill>
-              </a:uFill>
-              <a:latin typeface="Helvetica Neue"/>
-            </a:endParaRPr>
-          </a:p>
-        </p:txBody>
-      </p:sp>
-      <p:sp>
-        <p:nvSpPr>
           <p:cNvPr id="47" name="CustomShape 3"/>
           <p:cNvSpPr/>
           <p:nvPr/>
@@ -2964,26 +2664,779 @@
       </p:sp>
       <p:sp>
         <p:nvSpPr>
-          <p:cNvPr id="48" name="CustomShape 4"/>
+          <p:cNvPr id="8" name="Abgerundetes Rechteck 7"/>
           <p:cNvSpPr/>
           <p:nvPr/>
         </p:nvSpPr>
         <p:spPr>
           <a:xfrm>
-            <a:off x="5508270" y="8118375"/>
-            <a:ext cx="8837444" cy="1150078"/>
-          </a:xfrm>
-          <a:prstGeom prst="rect">
+            <a:off x="5508270" y="8158781"/>
+            <a:ext cx="8837444" cy="916077"/>
+          </a:xfrm>
+          <a:prstGeom prst="roundRect">
             <a:avLst/>
           </a:prstGeom>
           <a:solidFill>
-            <a:srgbClr val="FF9999"/>
+            <a:schemeClr val="bg1"/>
           </a:solidFill>
-          <a:ln w="76320">
+          <a:ln w="76200">
             <a:solidFill>
-              <a:srgbClr val="FF9999"/>
+              <a:srgbClr val="FF8080"/>
             </a:solidFill>
-            <a:round/>
+          </a:ln>
+        </p:spPr>
+        <p:style>
+          <a:lnRef idx="2">
+            <a:schemeClr val="accent1">
+              <a:shade val="50000"/>
+            </a:schemeClr>
+          </a:lnRef>
+          <a:fillRef idx="1">
+            <a:schemeClr val="accent1"/>
+          </a:fillRef>
+          <a:effectRef idx="0">
+            <a:schemeClr val="accent1"/>
+          </a:effectRef>
+          <a:fontRef idx="minor">
+            <a:schemeClr val="lt1"/>
+          </a:fontRef>
+        </p:style>
+        <p:txBody>
+          <a:bodyPr rtlCol="0" anchor="ctr"/>
+          <a:lstStyle/>
+          <a:p>
+            <a:pPr algn="ctr"/>
+            <a:endParaRPr lang="en-US"/>
+          </a:p>
+        </p:txBody>
+      </p:sp>
+      <p:sp>
+        <p:nvSpPr>
+          <p:cNvPr id="45" name="TextShape 1"/>
+          <p:cNvSpPr txBox="1"/>
+          <p:nvPr/>
+        </p:nvSpPr>
+        <p:spPr>
+          <a:xfrm>
+            <a:off x="605305" y="3397001"/>
+            <a:ext cx="24333236" cy="4025879"/>
+          </a:xfrm>
+          <a:prstGeom prst="rect">
+            <a:avLst/>
+          </a:prstGeom>
+          <a:noFill/>
+          <a:ln>
+            <a:noFill/>
+          </a:ln>
+        </p:spPr>
+        <p:txBody>
+          <a:bodyPr lIns="75663" tIns="37832" rIns="75663" bIns="37832"/>
+          <a:lstStyle/>
+          <a:p>
+            <a:pPr algn="ctr"/>
+            <a:r>
+              <a:rPr lang="en-GB" sz="9576" b="1" spc="-1" dirty="0" err="1">
+                <a:solidFill>
+                  <a:srgbClr val="000000"/>
+                </a:solidFill>
+                <a:uFill>
+                  <a:solidFill>
+                    <a:srgbClr val="FFFFFF"/>
+                  </a:solidFill>
+                </a:uFill>
+                <a:latin typeface="Helvetica Neue"/>
+              </a:rPr>
+              <a:t>PATH</a:t>
+            </a:r>
+            <a:r>
+              <a:rPr lang="en-GB" sz="9576" spc="-1" dirty="0" err="1">
+                <a:solidFill>
+                  <a:srgbClr val="000000"/>
+                </a:solidFill>
+                <a:uFill>
+                  <a:solidFill>
+                    <a:srgbClr val="FFFFFF"/>
+                  </a:solidFill>
+                </a:uFill>
+                <a:latin typeface="Bauhaus 93" panose="04030905020B02020C02" pitchFamily="82" charset="0"/>
+              </a:rPr>
+              <a:t>spider</a:t>
+            </a:r>
+            <a:r>
+              <a:rPr lang="en-GB" sz="9576" spc="-1" dirty="0">
+                <a:solidFill>
+                  <a:srgbClr val="000000"/>
+                </a:solidFill>
+                <a:uFill>
+                  <a:solidFill>
+                    <a:srgbClr val="FFFFFF"/>
+                  </a:solidFill>
+                </a:uFill>
+                <a:latin typeface="Helvetica Neue"/>
+              </a:rPr>
+              <a:t>: A tool for active measurement of path transparency</a:t>
+            </a:r>
+            <a:endParaRPr lang="en-GB" sz="1513" spc="-1" dirty="0">
+              <a:solidFill>
+                <a:srgbClr val="000000"/>
+              </a:solidFill>
+              <a:uFill>
+                <a:solidFill>
+                  <a:srgbClr val="FFFFFF"/>
+                </a:solidFill>
+              </a:uFill>
+              <a:latin typeface="Helvetica Neue"/>
+            </a:endParaRPr>
+          </a:p>
+          <a:p>
+            <a:pPr algn="ctr"/>
+            <a:endParaRPr lang="en-GB" sz="1513" spc="-1" dirty="0">
+              <a:solidFill>
+                <a:srgbClr val="000000"/>
+              </a:solidFill>
+              <a:uFill>
+                <a:solidFill>
+                  <a:srgbClr val="FFFFFF"/>
+                </a:solidFill>
+              </a:uFill>
+              <a:latin typeface="Helvetica Neue"/>
+            </a:endParaRPr>
+          </a:p>
+        </p:txBody>
+      </p:sp>
+      <p:sp>
+        <p:nvSpPr>
+          <p:cNvPr id="46" name="TextShape 2"/>
+          <p:cNvSpPr txBox="1"/>
+          <p:nvPr/>
+        </p:nvSpPr>
+        <p:spPr>
+          <a:xfrm>
+            <a:off x="1236032" y="6423523"/>
+            <a:ext cx="22915614" cy="1364961"/>
+          </a:xfrm>
+          <a:prstGeom prst="rect">
+            <a:avLst/>
+          </a:prstGeom>
+          <a:noFill/>
+          <a:ln>
+            <a:noFill/>
+          </a:ln>
+        </p:spPr>
+        <p:txBody>
+          <a:bodyPr lIns="75663" tIns="37832" rIns="75663" bIns="37832"/>
+          <a:lstStyle/>
+          <a:p>
+            <a:pPr algn="ctr"/>
+            <a:r>
+              <a:rPr lang="en-GB" sz="5044" spc="-1" dirty="0">
+                <a:solidFill>
+                  <a:srgbClr val="000000"/>
+                </a:solidFill>
+                <a:uFill>
+                  <a:solidFill>
+                    <a:srgbClr val="FFFFFF"/>
+                  </a:solidFill>
+                </a:uFill>
+                <a:latin typeface="Helvetica Neue"/>
+              </a:rPr>
+              <a:t>Iain Learmonth    Brian Trammell    </a:t>
+            </a:r>
+            <a:r>
+              <a:rPr lang="en-GB" sz="5044" spc="-1" dirty="0" err="1">
+                <a:solidFill>
+                  <a:srgbClr val="000000"/>
+                </a:solidFill>
+                <a:uFill>
+                  <a:solidFill>
+                    <a:srgbClr val="FFFFFF"/>
+                  </a:solidFill>
+                </a:uFill>
+                <a:latin typeface="Helvetica Neue"/>
+              </a:rPr>
+              <a:t>Mirja</a:t>
+            </a:r>
+            <a:r>
+              <a:rPr lang="en-GB" sz="5044" spc="-1" dirty="0">
+                <a:solidFill>
+                  <a:srgbClr val="000000"/>
+                </a:solidFill>
+                <a:uFill>
+                  <a:solidFill>
+                    <a:srgbClr val="FFFFFF"/>
+                  </a:solidFill>
+                </a:uFill>
+                <a:latin typeface="Helvetica Neue"/>
+              </a:rPr>
+              <a:t> K</a:t>
+            </a:r>
+            <a:r>
+              <a:rPr lang="en-US" sz="5044" spc="-1" dirty="0" err="1">
+                <a:solidFill>
+                  <a:srgbClr val="000000"/>
+                </a:solidFill>
+                <a:uFill>
+                  <a:solidFill>
+                    <a:srgbClr val="FFFFFF"/>
+                  </a:solidFill>
+                </a:uFill>
+                <a:latin typeface="Helvetica Neue"/>
+              </a:rPr>
+              <a:t>ü</a:t>
+            </a:r>
+            <a:r>
+              <a:rPr lang="en-GB" sz="5044" spc="-1" dirty="0" err="1">
+                <a:solidFill>
+                  <a:srgbClr val="000000"/>
+                </a:solidFill>
+                <a:uFill>
+                  <a:solidFill>
+                    <a:srgbClr val="FFFFFF"/>
+                  </a:solidFill>
+                </a:uFill>
+                <a:latin typeface="Helvetica Neue"/>
+              </a:rPr>
+              <a:t>hlewind</a:t>
+            </a:r>
+            <a:r>
+              <a:rPr lang="en-GB" sz="5044" spc="-1" dirty="0">
+                <a:solidFill>
+                  <a:srgbClr val="000000"/>
+                </a:solidFill>
+                <a:uFill>
+                  <a:solidFill>
+                    <a:srgbClr val="FFFFFF"/>
+                  </a:solidFill>
+                </a:uFill>
+                <a:latin typeface="Helvetica Neue"/>
+              </a:rPr>
+              <a:t>    </a:t>
+            </a:r>
+            <a:r>
+              <a:rPr lang="en-GB" sz="5044" spc="-1" dirty="0" err="1">
+                <a:solidFill>
+                  <a:srgbClr val="000000"/>
+                </a:solidFill>
+                <a:uFill>
+                  <a:solidFill>
+                    <a:srgbClr val="FFFFFF"/>
+                  </a:solidFill>
+                </a:uFill>
+                <a:latin typeface="Helvetica Neue"/>
+              </a:rPr>
+              <a:t>Gorry</a:t>
+            </a:r>
+            <a:r>
+              <a:rPr lang="en-GB" sz="5044" spc="-1" dirty="0">
+                <a:solidFill>
+                  <a:srgbClr val="000000"/>
+                </a:solidFill>
+                <a:uFill>
+                  <a:solidFill>
+                    <a:srgbClr val="FFFFFF"/>
+                  </a:solidFill>
+                </a:uFill>
+                <a:latin typeface="Helvetica Neue"/>
+              </a:rPr>
+              <a:t> </a:t>
+            </a:r>
+            <a:r>
+              <a:rPr lang="en-GB" sz="5044" spc="-1" dirty="0" err="1">
+                <a:solidFill>
+                  <a:srgbClr val="000000"/>
+                </a:solidFill>
+                <a:uFill>
+                  <a:solidFill>
+                    <a:srgbClr val="FFFFFF"/>
+                  </a:solidFill>
+                </a:uFill>
+                <a:latin typeface="Helvetica Neue"/>
+              </a:rPr>
+              <a:t>Fairhurst</a:t>
+            </a:r>
+            <a:endParaRPr lang="en-GB" sz="1513" spc="-1" dirty="0">
+              <a:solidFill>
+                <a:srgbClr val="000000"/>
+              </a:solidFill>
+              <a:uFill>
+                <a:solidFill>
+                  <a:srgbClr val="FFFFFF"/>
+                </a:solidFill>
+              </a:uFill>
+              <a:latin typeface="Helvetica Neue"/>
+            </a:endParaRPr>
+          </a:p>
+          <a:p>
+            <a:pPr algn="ctr"/>
+            <a:r>
+              <a:rPr lang="en-GB" sz="3699" spc="-1" dirty="0">
+                <a:solidFill>
+                  <a:srgbClr val="000000"/>
+                </a:solidFill>
+                <a:uFill>
+                  <a:solidFill>
+                    <a:srgbClr val="FFFFFF"/>
+                  </a:solidFill>
+                </a:uFill>
+                <a:latin typeface="Helvetica Neue"/>
+              </a:rPr>
+              <a:t>iain@erg.abdn.ac.uk trammell@tik.ee.ethz.ch mirja.kuelewind@tik.ee.ethz.ch gorry@erg.abdn.ac.uk</a:t>
+            </a:r>
+            <a:endParaRPr lang="en-GB" sz="1345" spc="-1" dirty="0">
+              <a:solidFill>
+                <a:srgbClr val="000000"/>
+              </a:solidFill>
+              <a:uFill>
+                <a:solidFill>
+                  <a:srgbClr val="FFFFFF"/>
+                </a:solidFill>
+              </a:uFill>
+              <a:latin typeface="Helvetica Neue"/>
+            </a:endParaRPr>
+          </a:p>
+        </p:txBody>
+      </p:sp>
+      <p:sp>
+        <p:nvSpPr>
+          <p:cNvPr id="49" name="TextShape 5"/>
+          <p:cNvSpPr txBox="1"/>
+          <p:nvPr/>
+        </p:nvSpPr>
+        <p:spPr>
+          <a:xfrm>
+            <a:off x="5508270" y="8239436"/>
+            <a:ext cx="8837444" cy="792343"/>
+          </a:xfrm>
+          <a:prstGeom prst="rect">
+            <a:avLst/>
+          </a:prstGeom>
+          <a:noFill/>
+          <a:ln>
+            <a:noFill/>
+          </a:ln>
+        </p:spPr>
+        <p:txBody>
+          <a:bodyPr lIns="75663" tIns="37832" rIns="75663" bIns="37832"/>
+          <a:lstStyle/>
+          <a:p>
+            <a:pPr algn="ctr"/>
+            <a:r>
+              <a:rPr lang="en-GB" sz="4400" b="1" spc="-1" dirty="0">
+                <a:solidFill>
+                  <a:srgbClr val="FF8080"/>
+                </a:solidFill>
+                <a:uFill>
+                  <a:solidFill>
+                    <a:srgbClr val="FFFFFF"/>
+                  </a:solidFill>
+                </a:uFill>
+                <a:latin typeface="Helvetica Neue"/>
+              </a:rPr>
+              <a:t>Introduction</a:t>
+            </a:r>
+          </a:p>
+        </p:txBody>
+      </p:sp>
+      <p:pic>
+        <p:nvPicPr>
+          <p:cNvPr id="50" name="image5.png"/>
+          <p:cNvPicPr/>
+          <p:nvPr/>
+        </p:nvPicPr>
+        <p:blipFill>
+          <a:blip r:embed="rId2"/>
+          <a:stretch/>
+        </p:blipFill>
+        <p:spPr>
+          <a:xfrm>
+            <a:off x="17432767" y="8006393"/>
+            <a:ext cx="1806834" cy="1806834"/>
+          </a:xfrm>
+          <a:prstGeom prst="rect">
+            <a:avLst/>
+          </a:prstGeom>
+          <a:ln w="12600">
+            <a:noFill/>
+          </a:ln>
+        </p:spPr>
+      </p:pic>
+      <p:pic>
+        <p:nvPicPr>
+          <p:cNvPr id="51" name="Picture 50"/>
+          <p:cNvPicPr/>
+          <p:nvPr/>
+        </p:nvPicPr>
+        <p:blipFill>
+          <a:blip r:embed="rId3"/>
+          <a:stretch/>
+        </p:blipFill>
+        <p:spPr>
+          <a:xfrm>
+            <a:off x="19490802" y="8285439"/>
+            <a:ext cx="5064884" cy="6188632"/>
+          </a:xfrm>
+          <a:prstGeom prst="rect">
+            <a:avLst/>
+          </a:prstGeom>
+          <a:ln>
+            <a:noFill/>
+          </a:ln>
+        </p:spPr>
+      </p:pic>
+      <p:sp>
+        <p:nvSpPr>
+          <p:cNvPr id="52" name="TextShape 6"/>
+          <p:cNvSpPr txBox="1"/>
+          <p:nvPr/>
+        </p:nvSpPr>
+        <p:spPr>
+          <a:xfrm>
+            <a:off x="1361936" y="9193586"/>
+            <a:ext cx="8988770" cy="5629440"/>
+          </a:xfrm>
+          <a:prstGeom prst="rect">
+            <a:avLst/>
+          </a:prstGeom>
+          <a:noFill/>
+          <a:ln>
+            <a:noFill/>
+          </a:ln>
+        </p:spPr>
+        <p:txBody>
+          <a:bodyPr lIns="75663" tIns="37832" rIns="75663" bIns="37832"/>
+          <a:lstStyle/>
+          <a:p>
+            <a:pPr algn="just">
+              <a:spcAft>
+                <a:spcPts val="1200"/>
+              </a:spcAft>
+            </a:pPr>
+            <a:r>
+              <a:rPr lang="en-GB" sz="3200" b="1" spc="-1" dirty="0" err="1" smtClean="0">
+                <a:solidFill>
+                  <a:srgbClr val="000000"/>
+                </a:solidFill>
+                <a:uFill>
+                  <a:solidFill>
+                    <a:srgbClr val="FFFFFF"/>
+                  </a:solidFill>
+                </a:uFill>
+                <a:latin typeface="Helvetica Neue"/>
+              </a:rPr>
+              <a:t>PATH</a:t>
+            </a:r>
+            <a:r>
+              <a:rPr lang="en-GB" sz="3200" spc="-1" dirty="0" err="1" smtClean="0">
+                <a:solidFill>
+                  <a:srgbClr val="000000"/>
+                </a:solidFill>
+                <a:uFill>
+                  <a:solidFill>
+                    <a:srgbClr val="FFFFFF"/>
+                  </a:solidFill>
+                </a:uFill>
+                <a:latin typeface="Bauhaus 93" panose="04030905020B02020C02" pitchFamily="82" charset="0"/>
+              </a:rPr>
+              <a:t>spider</a:t>
+            </a:r>
+            <a:r>
+              <a:rPr lang="en-GB" sz="3200" spc="-1" dirty="0" smtClean="0">
+                <a:solidFill>
+                  <a:srgbClr val="000000"/>
+                </a:solidFill>
+                <a:uFill>
+                  <a:solidFill>
+                    <a:srgbClr val="FFFFFF"/>
+                  </a:solidFill>
+                </a:uFill>
+                <a:latin typeface="Bauhaus 93" panose="04030905020B02020C02" pitchFamily="82" charset="0"/>
+              </a:rPr>
+              <a:t> </a:t>
+            </a:r>
+            <a:r>
+              <a:rPr lang="en-GB" sz="3200" spc="-1" dirty="0" smtClean="0">
+                <a:solidFill>
+                  <a:srgbClr val="000000"/>
+                </a:solidFill>
+                <a:uFill>
+                  <a:solidFill>
+                    <a:srgbClr val="FFFFFF"/>
+                  </a:solidFill>
+                </a:uFill>
+                <a:latin typeface="Helvetica Neue"/>
+              </a:rPr>
+              <a:t>performs </a:t>
+            </a:r>
+            <a:r>
+              <a:rPr lang="en-GB" sz="3200" spc="-1" dirty="0">
+                <a:solidFill>
+                  <a:srgbClr val="000000"/>
+                </a:solidFill>
+                <a:uFill>
+                  <a:solidFill>
+                    <a:srgbClr val="FFFFFF"/>
+                  </a:solidFill>
+                </a:uFill>
+                <a:latin typeface="Helvetica Neue"/>
+              </a:rPr>
+              <a:t>large-scale A/B testing between two different protocols or </a:t>
+            </a:r>
+            <a:r>
+              <a:rPr lang="en-GB" sz="3200" spc="-1" dirty="0" smtClean="0">
+                <a:solidFill>
+                  <a:srgbClr val="000000"/>
+                </a:solidFill>
+                <a:uFill>
+                  <a:solidFill>
+                    <a:srgbClr val="FFFFFF"/>
+                  </a:solidFill>
+                </a:uFill>
+                <a:latin typeface="Helvetica Neue"/>
+              </a:rPr>
+              <a:t>different protocol </a:t>
+            </a:r>
+            <a:r>
+              <a:rPr lang="en-GB" sz="3200" spc="-1" dirty="0">
+                <a:solidFill>
+                  <a:srgbClr val="000000"/>
+                </a:solidFill>
+                <a:uFill>
+                  <a:solidFill>
+                    <a:srgbClr val="FFFFFF"/>
+                  </a:solidFill>
+                </a:uFill>
+                <a:latin typeface="Helvetica Neue"/>
+              </a:rPr>
+              <a:t>extensions to </a:t>
+            </a:r>
+            <a:r>
+              <a:rPr lang="en-GB" sz="3200" spc="-1" dirty="0" smtClean="0">
+                <a:solidFill>
+                  <a:srgbClr val="000000"/>
+                </a:solidFill>
+                <a:uFill>
+                  <a:solidFill>
+                    <a:srgbClr val="FFFFFF"/>
+                  </a:solidFill>
+                </a:uFill>
+                <a:latin typeface="Helvetica Neue"/>
+              </a:rPr>
+              <a:t>detect protocol-dependent </a:t>
+            </a:r>
+            <a:r>
+              <a:rPr lang="en-GB" sz="3200" spc="-1" dirty="0">
+                <a:solidFill>
+                  <a:srgbClr val="000000"/>
+                </a:solidFill>
+                <a:uFill>
+                  <a:solidFill>
+                    <a:srgbClr val="FFFFFF"/>
+                  </a:solidFill>
+                </a:uFill>
+                <a:latin typeface="Helvetica Neue"/>
+              </a:rPr>
+              <a:t>connectivity </a:t>
+            </a:r>
+            <a:r>
+              <a:rPr lang="en-GB" sz="3200" spc="-1" dirty="0" smtClean="0">
+                <a:solidFill>
+                  <a:srgbClr val="000000"/>
+                </a:solidFill>
+                <a:uFill>
+                  <a:solidFill>
+                    <a:srgbClr val="FFFFFF"/>
+                  </a:solidFill>
+                </a:uFill>
+                <a:latin typeface="Helvetica Neue"/>
+              </a:rPr>
+              <a:t>issues and differential </a:t>
+            </a:r>
+            <a:r>
+              <a:rPr lang="en-GB" sz="3200" spc="-1" dirty="0">
+                <a:solidFill>
+                  <a:srgbClr val="000000"/>
+                </a:solidFill>
+                <a:uFill>
+                  <a:solidFill>
+                    <a:srgbClr val="FFFFFF"/>
+                  </a:solidFill>
+                </a:uFill>
+                <a:latin typeface="Helvetica Neue"/>
+              </a:rPr>
+              <a:t>treatment. </a:t>
+            </a:r>
+            <a:r>
+              <a:rPr lang="en-GB" sz="3200" spc="-1" dirty="0">
+                <a:solidFill>
+                  <a:srgbClr val="000000"/>
+                </a:solidFill>
+                <a:uFill>
+                  <a:solidFill>
+                    <a:srgbClr val="FFFFFF"/>
+                  </a:solidFill>
+                </a:uFill>
+                <a:latin typeface="Helvetica Neue"/>
+              </a:rPr>
+              <a:t>T</a:t>
+            </a:r>
+            <a:r>
+              <a:rPr lang="en-GB" sz="3200" spc="-1" dirty="0" smtClean="0">
+                <a:solidFill>
+                  <a:srgbClr val="000000"/>
+                </a:solidFill>
+                <a:uFill>
+                  <a:solidFill>
+                    <a:srgbClr val="FFFFFF"/>
+                  </a:solidFill>
+                </a:uFill>
+                <a:latin typeface="Helvetica Neue"/>
+              </a:rPr>
+              <a:t>he A/B test itself is easily </a:t>
+            </a:r>
+            <a:r>
+              <a:rPr lang="en-GB" sz="3200" spc="-1" dirty="0">
+                <a:solidFill>
+                  <a:srgbClr val="000000"/>
+                </a:solidFill>
+                <a:uFill>
+                  <a:solidFill>
+                    <a:srgbClr val="FFFFFF"/>
+                  </a:solidFill>
+                </a:uFill>
+                <a:latin typeface="Helvetica Neue"/>
+              </a:rPr>
+              <a:t>customized via a plugin framework</a:t>
+            </a:r>
+            <a:r>
+              <a:rPr lang="en-GB" sz="3200" spc="-1" dirty="0" smtClean="0">
+                <a:solidFill>
+                  <a:srgbClr val="000000"/>
+                </a:solidFill>
+                <a:uFill>
+                  <a:solidFill>
+                    <a:srgbClr val="FFFFFF"/>
+                  </a:solidFill>
+                </a:uFill>
+                <a:latin typeface="Helvetica Neue"/>
+              </a:rPr>
+              <a:t>.</a:t>
+            </a:r>
+            <a:endParaRPr lang="en-GB" sz="3200" spc="-1" dirty="0">
+              <a:solidFill>
+                <a:srgbClr val="000000"/>
+              </a:solidFill>
+              <a:uFill>
+                <a:solidFill>
+                  <a:srgbClr val="FFFFFF"/>
+                </a:solidFill>
+              </a:uFill>
+              <a:latin typeface="Helvetica Neue"/>
+            </a:endParaRPr>
+          </a:p>
+          <a:p>
+            <a:pPr algn="just"/>
+            <a:r>
+              <a:rPr lang="en-GB" sz="3200" spc="-1" dirty="0">
+                <a:solidFill>
+                  <a:srgbClr val="000000"/>
+                </a:solidFill>
+                <a:uFill>
+                  <a:solidFill>
+                    <a:srgbClr val="FFFFFF"/>
+                  </a:solidFill>
+                </a:uFill>
+                <a:latin typeface="Helvetica Neue"/>
+              </a:rPr>
+              <a:t>Connectivity problems can arise from the increasing number of </a:t>
+            </a:r>
+            <a:r>
+              <a:rPr lang="en-GB" sz="3200" spc="-1" dirty="0" err="1">
+                <a:solidFill>
+                  <a:srgbClr val="000000"/>
+                </a:solidFill>
+                <a:uFill>
+                  <a:solidFill>
+                    <a:srgbClr val="FFFFFF"/>
+                  </a:solidFill>
+                </a:uFill>
+                <a:latin typeface="Helvetica Neue"/>
+              </a:rPr>
+              <a:t>middleboxes</a:t>
+            </a:r>
+            <a:r>
+              <a:rPr lang="en-GB" sz="3200" spc="-1" dirty="0">
+                <a:solidFill>
+                  <a:srgbClr val="000000"/>
+                </a:solidFill>
+                <a:uFill>
+                  <a:solidFill>
+                    <a:srgbClr val="FFFFFF"/>
+                  </a:solidFill>
+                </a:uFill>
+                <a:latin typeface="Helvetica Neue"/>
+              </a:rPr>
+              <a:t> in the Internet where either accidental or intentional manipulation causes a connection to fail.</a:t>
+            </a:r>
+          </a:p>
+        </p:txBody>
+      </p:sp>
+      <p:sp>
+        <p:nvSpPr>
+          <p:cNvPr id="53" name="TextShape 7"/>
+          <p:cNvSpPr txBox="1"/>
+          <p:nvPr/>
+        </p:nvSpPr>
+        <p:spPr>
+          <a:xfrm>
+            <a:off x="1409452" y="9808688"/>
+            <a:ext cx="474861" cy="291151"/>
+          </a:xfrm>
+          <a:prstGeom prst="rect">
+            <a:avLst/>
+          </a:prstGeom>
+          <a:noFill/>
+          <a:ln>
+            <a:noFill/>
+          </a:ln>
+        </p:spPr>
+        <p:txBody>
+          <a:bodyPr lIns="75663" tIns="37832" rIns="75663" bIns="37832"/>
+          <a:lstStyle/>
+          <a:p>
+            <a:r>
+              <a:rPr lang="en-GB" sz="1513" spc="-1">
+                <a:solidFill>
+                  <a:srgbClr val="000000"/>
+                </a:solidFill>
+                <a:uFill>
+                  <a:solidFill>
+                    <a:srgbClr val="FFFFFF"/>
+                  </a:solidFill>
+                </a:uFill>
+                <a:latin typeface="Helvetica Neue"/>
+              </a:rPr>
+              <a:t>      </a:t>
+            </a:r>
+          </a:p>
+        </p:txBody>
+      </p:sp>
+      <p:sp>
+        <p:nvSpPr>
+          <p:cNvPr id="54" name="CustomShape 8"/>
+          <p:cNvSpPr/>
+          <p:nvPr/>
+        </p:nvSpPr>
+        <p:spPr>
+          <a:xfrm>
+            <a:off x="11824920" y="13507404"/>
+            <a:ext cx="2050469" cy="700942"/>
+          </a:xfrm>
+          <a:prstGeom prst="rect">
+            <a:avLst/>
+          </a:prstGeom>
+          <a:noFill/>
+          <a:ln w="12600">
+            <a:noFill/>
           </a:ln>
         </p:spPr>
         <p:style>
@@ -2998,33 +3451,17 @@
           </a:effectRef>
           <a:fontRef idx="minor"/>
         </p:style>
-      </p:sp>
-      <p:sp>
-        <p:nvSpPr>
-          <p:cNvPr id="49" name="TextShape 5"/>
-          <p:cNvSpPr txBox="1"/>
-          <p:nvPr/>
-        </p:nvSpPr>
-        <p:spPr>
-          <a:xfrm>
-            <a:off x="5508270" y="8239436"/>
-            <a:ext cx="8837444" cy="792343"/>
-          </a:xfrm>
-          <a:prstGeom prst="rect">
-            <a:avLst/>
-          </a:prstGeom>
-          <a:noFill/>
-          <a:ln>
-            <a:noFill/>
-          </a:ln>
-        </p:spPr>
-        <p:txBody>
-          <a:bodyPr lIns="75663" tIns="37832" rIns="75663" bIns="37832"/>
-          <a:lstStyle/>
-          <a:p>
-            <a:pPr algn="ctr"/>
-            <a:r>
-              <a:rPr lang="en-GB" sz="5044" spc="-1">
+        <p:txBody>
+          <a:bodyPr wrap="none" lIns="42674" tIns="42674" rIns="42674" bIns="42674" anchor="ctr"/>
+          <a:lstStyle/>
+          <a:p>
+            <a:pPr algn="ctr">
+              <a:lnSpc>
+                <a:spcPct val="100000"/>
+              </a:lnSpc>
+            </a:pPr>
+            <a:r>
+              <a:rPr lang="en-GB" sz="2018" i="1" spc="-1" dirty="0">
                 <a:solidFill>
                   <a:srgbClr val="000000"/>
                 </a:solidFill>
@@ -3035,217 +3472,7 @@
                 </a:uFill>
                 <a:latin typeface="Helvetica Neue"/>
               </a:rPr>
-              <a:t>Introduction</a:t>
-            </a:r>
-            <a:endParaRPr lang="en-GB" sz="1513" spc="-1">
-              <a:solidFill>
-                <a:srgbClr val="000000"/>
-              </a:solidFill>
-              <a:uFill>
-                <a:solidFill>
-                  <a:srgbClr val="FFFFFF"/>
-                </a:solidFill>
-              </a:uFill>
-              <a:latin typeface="Helvetica Neue"/>
-            </a:endParaRPr>
-          </a:p>
-        </p:txBody>
-      </p:sp>
-      <p:pic>
-        <p:nvPicPr>
-          <p:cNvPr id="50" name="image5.png"/>
-          <p:cNvPicPr/>
-          <p:nvPr/>
-        </p:nvPicPr>
-        <p:blipFill>
-          <a:blip r:embed="rId2"/>
-          <a:stretch/>
-        </p:blipFill>
-        <p:spPr>
-          <a:xfrm>
-            <a:off x="17432767" y="8006393"/>
-            <a:ext cx="1806834" cy="1806834"/>
-          </a:xfrm>
-          <a:prstGeom prst="rect">
-            <a:avLst/>
-          </a:prstGeom>
-          <a:ln w="12600">
-            <a:noFill/>
-          </a:ln>
-        </p:spPr>
-      </p:pic>
-      <p:pic>
-        <p:nvPicPr>
-          <p:cNvPr id="51" name="Picture 50"/>
-          <p:cNvPicPr/>
-          <p:nvPr/>
-        </p:nvPicPr>
-        <p:blipFill>
-          <a:blip r:embed="rId3"/>
-          <a:stretch/>
-        </p:blipFill>
-        <p:spPr>
-          <a:xfrm>
-            <a:off x="19490802" y="8285439"/>
-            <a:ext cx="5064884" cy="6188632"/>
-          </a:xfrm>
-          <a:prstGeom prst="rect">
-            <a:avLst/>
-          </a:prstGeom>
-          <a:ln>
-            <a:noFill/>
-          </a:ln>
-        </p:spPr>
-      </p:pic>
-      <p:sp>
-        <p:nvSpPr>
-          <p:cNvPr id="52" name="TextShape 6"/>
-          <p:cNvSpPr txBox="1"/>
-          <p:nvPr/>
-        </p:nvSpPr>
-        <p:spPr>
-          <a:xfrm>
-            <a:off x="1361935" y="9624977"/>
-            <a:ext cx="9503279" cy="4260738"/>
-          </a:xfrm>
-          <a:prstGeom prst="rect">
-            <a:avLst/>
-          </a:prstGeom>
-          <a:noFill/>
-          <a:ln>
-            <a:noFill/>
-          </a:ln>
-        </p:spPr>
-        <p:txBody>
-          <a:bodyPr lIns="75663" tIns="37832" rIns="75663" bIns="37832"/>
-          <a:lstStyle/>
-          <a:p>
-            <a:pPr algn="just"/>
-            <a:r>
-              <a:rPr lang="en-GB" sz="2690" spc="-1" dirty="0" err="1">
-                <a:solidFill>
-                  <a:srgbClr val="000000"/>
-                </a:solidFill>
-                <a:uFill>
-                  <a:solidFill>
-                    <a:srgbClr val="FFFFFF"/>
-                  </a:solidFill>
-                </a:uFill>
-                <a:latin typeface="Helvetica Neue"/>
-              </a:rPr>
-              <a:t>PATHspider</a:t>
-            </a:r>
-            <a:r>
-              <a:rPr lang="en-GB" sz="2690" spc="-1" dirty="0">
-                <a:solidFill>
-                  <a:srgbClr val="000000"/>
-                </a:solidFill>
-                <a:uFill>
-                  <a:solidFill>
-                    <a:srgbClr val="FFFFFF"/>
-                  </a:solidFill>
-                </a:uFill>
-                <a:latin typeface="Helvetica Neue"/>
-              </a:rPr>
-              <a:t> performs large-scale A/B testing between two different protocols or different protocol extensions to perform controlled experiments of protocol-dependent connectivity problems as well as differential treatment. </a:t>
-            </a:r>
-            <a:r>
-              <a:rPr lang="en-GB" sz="2690" spc="-1" dirty="0" err="1">
-                <a:solidFill>
-                  <a:srgbClr val="000000"/>
-                </a:solidFill>
-                <a:uFill>
-                  <a:solidFill>
-                    <a:srgbClr val="FFFFFF"/>
-                  </a:solidFill>
-                </a:uFill>
-                <a:latin typeface="Helvetica Neue"/>
-              </a:rPr>
-              <a:t>PATHspider</a:t>
-            </a:r>
-            <a:r>
-              <a:rPr lang="en-GB" sz="2690" spc="-1" dirty="0">
-                <a:solidFill>
-                  <a:srgbClr val="000000"/>
-                </a:solidFill>
-                <a:uFill>
-                  <a:solidFill>
-                    <a:srgbClr val="FFFFFF"/>
-                  </a:solidFill>
-                </a:uFill>
-                <a:latin typeface="Helvetica Neue"/>
-              </a:rPr>
-              <a:t> is a framework for performing these measurements. The actual A/B test can be easily customized via a plugin framework.</a:t>
-            </a:r>
-            <a:endParaRPr lang="en-GB" sz="1273" spc="-1" dirty="0">
-              <a:solidFill>
-                <a:srgbClr val="000000"/>
-              </a:solidFill>
-              <a:uFill>
-                <a:solidFill>
-                  <a:srgbClr val="FFFFFF"/>
-                </a:solidFill>
-              </a:uFill>
-              <a:latin typeface="Helvetica Neue"/>
-            </a:endParaRPr>
-          </a:p>
-          <a:p>
-            <a:pPr algn="just"/>
-            <a:endParaRPr lang="en-GB" sz="1273" spc="-1" dirty="0">
-              <a:solidFill>
-                <a:srgbClr val="000000"/>
-              </a:solidFill>
-              <a:uFill>
-                <a:solidFill>
-                  <a:srgbClr val="FFFFFF"/>
-                </a:solidFill>
-              </a:uFill>
-              <a:latin typeface="Helvetica Neue"/>
-            </a:endParaRPr>
-          </a:p>
-          <a:p>
-            <a:pPr algn="just"/>
-            <a:r>
-              <a:rPr lang="en-GB" sz="2690" spc="-1" dirty="0">
-                <a:solidFill>
-                  <a:srgbClr val="000000"/>
-                </a:solidFill>
-                <a:uFill>
-                  <a:solidFill>
-                    <a:srgbClr val="FFFFFF"/>
-                  </a:solidFill>
-                </a:uFill>
-                <a:latin typeface="Helvetica Neue"/>
-              </a:rPr>
-              <a:t>Connectivity problems can arise from the increasing number of </a:t>
-            </a:r>
-            <a:r>
-              <a:rPr lang="en-GB" sz="2690" spc="-1" dirty="0" err="1">
-                <a:solidFill>
-                  <a:srgbClr val="000000"/>
-                </a:solidFill>
-                <a:uFill>
-                  <a:solidFill>
-                    <a:srgbClr val="FFFFFF"/>
-                  </a:solidFill>
-                </a:uFill>
-                <a:latin typeface="Helvetica Neue"/>
-              </a:rPr>
-              <a:t>middleboxes</a:t>
-            </a:r>
-            <a:r>
-              <a:rPr lang="en-GB" sz="2690" spc="-1" dirty="0">
-                <a:solidFill>
-                  <a:srgbClr val="000000"/>
-                </a:solidFill>
-                <a:uFill>
-                  <a:solidFill>
-                    <a:srgbClr val="FFFFFF"/>
-                  </a:solidFill>
-                </a:uFill>
-                <a:latin typeface="Helvetica Neue"/>
-              </a:rPr>
-              <a:t> in the Internet where either accidental or intentional manipulation causes a connection to fail.</a:t>
+              <a:t>The end-to-end</a:t>
             </a:r>
             <a:endParaRPr lang="en-GB" sz="1513" spc="-1" dirty="0">
               <a:solidFill>
@@ -3259,33 +3486,14 @@
               <a:latin typeface="Helvetica Neue"/>
             </a:endParaRPr>
           </a:p>
-        </p:txBody>
-      </p:sp>
-      <p:sp>
-        <p:nvSpPr>
-          <p:cNvPr id="53" name="TextShape 7"/>
-          <p:cNvSpPr txBox="1"/>
-          <p:nvPr/>
-        </p:nvSpPr>
-        <p:spPr>
-          <a:xfrm>
-            <a:off x="1409452" y="9808688"/>
-            <a:ext cx="474861" cy="291151"/>
-          </a:xfrm>
-          <a:prstGeom prst="rect">
-            <a:avLst/>
-          </a:prstGeom>
-          <a:noFill/>
-          <a:ln>
-            <a:noFill/>
-          </a:ln>
-        </p:spPr>
-        <p:txBody>
-          <a:bodyPr lIns="75663" tIns="37832" rIns="75663" bIns="37832"/>
-          <a:lstStyle/>
-          <a:p>
-            <a:r>
-              <a:rPr lang="en-GB" sz="1513" spc="-1">
+          <a:p>
+            <a:pPr algn="ctr">
+              <a:lnSpc>
+                <a:spcPct val="100000"/>
+              </a:lnSpc>
+            </a:pPr>
+            <a:r>
+              <a:rPr lang="en-GB" sz="2018" i="1" spc="-1" dirty="0">
                 <a:solidFill>
                   <a:srgbClr val="000000"/>
                 </a:solidFill>
@@ -3296,21 +3504,32 @@
                 </a:uFill>
                 <a:latin typeface="Helvetica Neue"/>
               </a:rPr>
-              <a:t>      </a:t>
-            </a:r>
-          </a:p>
-        </p:txBody>
-      </p:sp>
-      <p:sp>
-        <p:nvSpPr>
-          <p:cNvPr id="54" name="CustomShape 8"/>
+              <a:t>ideal</a:t>
+            </a:r>
+            <a:endParaRPr lang="en-GB" sz="1513" spc="-1" dirty="0">
+              <a:solidFill>
+                <a:srgbClr val="000000"/>
+              </a:solidFill>
+              <a:uFill>
+                <a:solidFill>
+                  <a:srgbClr val="FFFFFF"/>
+                </a:solidFill>
+              </a:uFill>
+              <a:latin typeface="Helvetica Neue"/>
+            </a:endParaRPr>
+          </a:p>
+        </p:txBody>
+      </p:sp>
+      <p:sp>
+        <p:nvSpPr>
+          <p:cNvPr id="55" name="CustomShape 9"/>
           <p:cNvSpPr/>
           <p:nvPr/>
         </p:nvSpPr>
         <p:spPr>
           <a:xfrm>
-            <a:off x="11873046" y="13459278"/>
-            <a:ext cx="2050469" cy="700942"/>
+            <a:off x="15249281" y="13518603"/>
+            <a:ext cx="2883367" cy="700942"/>
           </a:xfrm>
           <a:prstGeom prst="rect">
             <a:avLst/>
@@ -3342,7 +3561,7 @@
               </a:lnSpc>
             </a:pPr>
             <a:r>
-              <a:rPr lang="en-GB" sz="2018" i="1" spc="-1">
+              <a:rPr lang="en-GB" sz="2018" i="1" spc="-1" dirty="0">
                 <a:solidFill>
                   <a:srgbClr val="000000"/>
                 </a:solidFill>
@@ -3353,9 +3572,38 @@
                 </a:uFill>
                 <a:latin typeface="Helvetica Neue"/>
               </a:rPr>
-              <a:t>The end-to-end</a:t>
-            </a:r>
-            <a:endParaRPr lang="en-GB" sz="1513" spc="-1">
+              <a:t>Today’s </a:t>
+            </a:r>
+            <a:r>
+              <a:rPr lang="en-GB" sz="2018" i="1" spc="-1" dirty="0" err="1">
+                <a:solidFill>
+                  <a:srgbClr val="000000"/>
+                </a:solidFill>
+                <a:uFill>
+                  <a:solidFill>
+                    <a:srgbClr val="FFFFFF"/>
+                  </a:solidFill>
+                </a:uFill>
+                <a:latin typeface="Helvetica Neue"/>
+              </a:rPr>
+              <a:t>middleboxed</a:t>
+            </a:r>
+            <a:r>
+              <a:rPr lang="en-GB" sz="2018" i="1" spc="-1" dirty="0">
+                <a:solidFill>
+                  <a:srgbClr val="000000"/>
+                </a:solidFill>
+                <a:uFill>
+                  <a:solidFill>
+                    <a:srgbClr val="FFFFFF"/>
+                  </a:solidFill>
+                </a:uFill>
+                <a:latin typeface="Helvetica Neue"/>
+              </a:rPr>
+              <a:t> 
+reality</a:t>
+            </a:r>
+            <a:endParaRPr lang="en-GB" sz="1513" spc="-1" dirty="0">
               <a:solidFill>
                 <a:srgbClr val="000000"/>
               </a:solidFill>
@@ -3367,14 +3615,56 @@
               <a:latin typeface="Helvetica Neue"/>
             </a:endParaRPr>
           </a:p>
-          <a:p>
-            <a:pPr algn="ctr">
-              <a:lnSpc>
-                <a:spcPct val="100000"/>
-              </a:lnSpc>
-            </a:pPr>
-            <a:r>
-              <a:rPr lang="en-GB" sz="2018" i="1" spc="-1">
+        </p:txBody>
+      </p:sp>
+      <p:pic>
+        <p:nvPicPr>
+          <p:cNvPr id="56" name="Picture 6"/>
+          <p:cNvPicPr/>
+          <p:nvPr/>
+        </p:nvPicPr>
+        <p:blipFill>
+          <a:blip r:embed="rId4"/>
+          <a:stretch/>
+        </p:blipFill>
+        <p:spPr>
+          <a:xfrm>
+            <a:off x="10865214" y="9378013"/>
+            <a:ext cx="7587491" cy="4238450"/>
+          </a:xfrm>
+          <a:prstGeom prst="rect">
+            <a:avLst/>
+          </a:prstGeom>
+          <a:ln>
+            <a:noFill/>
+          </a:ln>
+        </p:spPr>
+      </p:pic>
+      <p:sp>
+        <p:nvSpPr>
+          <p:cNvPr id="57" name="TextShape 10"/>
+          <p:cNvSpPr txBox="1"/>
+          <p:nvPr/>
+        </p:nvSpPr>
+        <p:spPr>
+          <a:xfrm>
+            <a:off x="724684" y="31236160"/>
+            <a:ext cx="24000319" cy="1210003"/>
+          </a:xfrm>
+          <a:prstGeom prst="rect">
+            <a:avLst/>
+          </a:prstGeom>
+          <a:noFill/>
+          <a:ln>
+            <a:noFill/>
+          </a:ln>
+        </p:spPr>
+        <p:txBody>
+          <a:bodyPr lIns="75663" tIns="37832" rIns="75663" bIns="37832"/>
+          <a:lstStyle/>
+          <a:p>
+            <a:r>
+              <a:rPr lang="en-GB" sz="7734" b="1" i="1" spc="-1" dirty="0">
                 <a:solidFill>
                   <a:srgbClr val="000000"/>
                 </a:solidFill>
@@ -3385,9 +3675,37 @@
                 </a:uFill>
                 <a:latin typeface="Helvetica Neue"/>
               </a:rPr>
-              <a:t>ideal</a:t>
-            </a:r>
-            <a:endParaRPr lang="en-GB" sz="1513" spc="-1">
+              <a:t>Learn more at https://</a:t>
+            </a:r>
+            <a:r>
+              <a:rPr lang="en-GB" sz="7734" b="1" i="1" spc="-1" dirty="0" err="1">
+                <a:solidFill>
+                  <a:srgbClr val="000000"/>
+                </a:solidFill>
+                <a:uFill>
+                  <a:solidFill>
+                    <a:srgbClr val="FFFFFF"/>
+                  </a:solidFill>
+                </a:uFill>
+                <a:latin typeface="Helvetica Neue"/>
+              </a:rPr>
+              <a:t>pathspider.mami-project.eu</a:t>
+            </a:r>
+            <a:r>
+              <a:rPr lang="en-GB" sz="7734" b="1" i="1" spc="-1" dirty="0">
+                <a:solidFill>
+                  <a:srgbClr val="000000"/>
+                </a:solidFill>
+                <a:uFill>
+                  <a:solidFill>
+                    <a:srgbClr val="FFFFFF"/>
+                  </a:solidFill>
+                </a:uFill>
+                <a:latin typeface="Helvetica Neue"/>
+              </a:rPr>
+              <a:t>/</a:t>
+            </a:r>
+            <a:endParaRPr lang="en-GB" sz="7734" b="1" spc="-1" dirty="0">
               <a:solidFill>
                 <a:srgbClr val="000000"/>
               </a:solidFill>
@@ -3403,21 +3721,24 @@
       </p:sp>
       <p:sp>
         <p:nvSpPr>
-          <p:cNvPr id="55" name="CustomShape 9"/>
+          <p:cNvPr id="58" name="CustomShape 11"/>
           <p:cNvSpPr/>
           <p:nvPr/>
         </p:nvSpPr>
         <p:spPr>
           <a:xfrm>
-            <a:off x="15273344" y="13470477"/>
-            <a:ext cx="2883367" cy="700942"/>
+            <a:off x="968487" y="15472823"/>
+            <a:ext cx="10471766" cy="10443664"/>
           </a:xfrm>
           <a:prstGeom prst="rect">
             <a:avLst/>
           </a:prstGeom>
           <a:noFill/>
-          <a:ln w="12600">
-            <a:noFill/>
+          <a:ln w="76320">
+            <a:solidFill>
+              <a:srgbClr val="FF9999"/>
+            </a:solidFill>
+            <a:round/>
           </a:ln>
         </p:spPr>
         <p:style>
@@ -3432,58 +3753,21 @@
           </a:effectRef>
           <a:fontRef idx="minor"/>
         </p:style>
-        <p:txBody>
-          <a:bodyPr wrap="none" lIns="42674" tIns="42674" rIns="42674" bIns="42674" anchor="ctr"/>
-          <a:lstStyle/>
-          <a:p>
-            <a:pPr algn="ctr">
-              <a:lnSpc>
-                <a:spcPct val="100000"/>
-              </a:lnSpc>
-            </a:pPr>
-            <a:r>
-              <a:rPr lang="en-GB" sz="2018" i="1" spc="-1">
-                <a:solidFill>
-                  <a:srgbClr val="000000"/>
-                </a:solidFill>
-                <a:uFill>
-                  <a:solidFill>
-                    <a:srgbClr val="FFFFFF"/>
-                  </a:solidFill>
-                </a:uFill>
-                <a:latin typeface="Helvetica Neue"/>
-              </a:rPr>
-              <a:t>Today’s middleboxed 
-reality</a:t>
-            </a:r>
-            <a:endParaRPr lang="en-GB" sz="1513" spc="-1">
-              <a:solidFill>
-                <a:srgbClr val="000000"/>
-              </a:solidFill>
-              <a:uFill>
-                <a:solidFill>
-                  <a:srgbClr val="FFFFFF"/>
-                </a:solidFill>
-              </a:uFill>
-              <a:latin typeface="Helvetica Neue"/>
-            </a:endParaRPr>
-          </a:p>
-        </p:txBody>
       </p:sp>
       <p:pic>
         <p:nvPicPr>
-          <p:cNvPr id="56" name="Picture 6"/>
+          <p:cNvPr id="59" name="Picture 58"/>
           <p:cNvPicPr/>
           <p:nvPr/>
         </p:nvPicPr>
         <p:blipFill>
-          <a:blip r:embed="rId4"/>
+          <a:blip r:embed="rId5"/>
           <a:stretch/>
         </p:blipFill>
         <p:spPr>
           <a:xfrm>
-            <a:off x="11107336" y="9378013"/>
-            <a:ext cx="7345369" cy="4088831"/>
+            <a:off x="1063956" y="16305530"/>
+            <a:ext cx="9050952" cy="7867031"/>
           </a:xfrm>
           <a:prstGeom prst="rect">
             <a:avLst/>
@@ -3493,95 +3777,39 @@
           </a:ln>
         </p:spPr>
       </p:pic>
-      <p:sp>
-        <p:nvSpPr>
-          <p:cNvPr id="57" name="TextShape 10"/>
-          <p:cNvSpPr txBox="1"/>
+      <p:pic>
+        <p:nvPicPr>
+          <p:cNvPr id="60" name="image5.png"/>
+          <p:cNvPicPr/>
           <p:nvPr/>
-        </p:nvSpPr>
-        <p:spPr>
-          <a:xfrm>
-            <a:off x="724684" y="31236160"/>
-            <a:ext cx="24000319" cy="1210003"/>
-          </a:xfrm>
-          <a:prstGeom prst="rect">
-            <a:avLst/>
-          </a:prstGeom>
-          <a:noFill/>
-          <a:ln>
+        </p:nvPicPr>
+        <p:blipFill>
+          <a:blip r:embed="rId2"/>
+          <a:stretch/>
+        </p:blipFill>
+        <p:spPr>
+          <a:xfrm>
+            <a:off x="10108584" y="14837253"/>
+            <a:ext cx="1806834" cy="1806834"/>
+          </a:xfrm>
+          <a:prstGeom prst="rect">
+            <a:avLst/>
+          </a:prstGeom>
+          <a:ln w="12600">
             <a:noFill/>
           </a:ln>
         </p:spPr>
-        <p:txBody>
-          <a:bodyPr lIns="75663" tIns="37832" rIns="75663" bIns="37832"/>
-          <a:lstStyle/>
-          <a:p>
-            <a:r>
-              <a:rPr lang="en-GB" sz="7734" b="1" i="1" spc="-1" dirty="0">
-                <a:solidFill>
-                  <a:srgbClr val="000000"/>
-                </a:solidFill>
-                <a:uFill>
-                  <a:solidFill>
-                    <a:srgbClr val="FFFFFF"/>
-                  </a:solidFill>
-                </a:uFill>
-                <a:latin typeface="Helvetica Neue"/>
-              </a:rPr>
-              <a:t>Learn more at https://</a:t>
-            </a:r>
-            <a:r>
-              <a:rPr lang="en-GB" sz="7734" b="1" i="1" spc="-1" dirty="0" err="1">
-                <a:solidFill>
-                  <a:srgbClr val="000000"/>
-                </a:solidFill>
-                <a:uFill>
-                  <a:solidFill>
-                    <a:srgbClr val="FFFFFF"/>
-                  </a:solidFill>
-                </a:uFill>
-                <a:latin typeface="Helvetica Neue"/>
-              </a:rPr>
-              <a:t>pathspider.mami-project.eu</a:t>
-            </a:r>
-            <a:r>
-              <a:rPr lang="en-GB" sz="7734" b="1" i="1" spc="-1" dirty="0">
-                <a:solidFill>
-                  <a:srgbClr val="000000"/>
-                </a:solidFill>
-                <a:uFill>
-                  <a:solidFill>
-                    <a:srgbClr val="FFFFFF"/>
-                  </a:solidFill>
-                </a:uFill>
-                <a:latin typeface="Helvetica Neue"/>
-              </a:rPr>
-              <a:t>/</a:t>
-            </a:r>
-            <a:endParaRPr lang="en-GB" sz="7734" b="1" spc="-1" dirty="0">
-              <a:solidFill>
-                <a:srgbClr val="000000"/>
-              </a:solidFill>
-              <a:uFill>
-                <a:solidFill>
-                  <a:srgbClr val="FFFFFF"/>
-                </a:solidFill>
-              </a:uFill>
-              <a:latin typeface="Helvetica Neue"/>
-            </a:endParaRPr>
-          </a:p>
-        </p:txBody>
-      </p:sp>
-      <p:sp>
-        <p:nvSpPr>
-          <p:cNvPr id="58" name="CustomShape 11"/>
+      </p:pic>
+      <p:sp>
+        <p:nvSpPr>
+          <p:cNvPr id="64" name="CustomShape 15"/>
           <p:cNvSpPr/>
           <p:nvPr/>
         </p:nvSpPr>
         <p:spPr>
           <a:xfrm>
-            <a:off x="968487" y="15472823"/>
-            <a:ext cx="10471766" cy="10443664"/>
+            <a:off x="12529802" y="15494009"/>
+            <a:ext cx="11924496" cy="15444341"/>
           </a:xfrm>
           <a:prstGeom prst="rect">
             <a:avLst/>
@@ -3609,30 +3837,7 @@
       </p:sp>
       <p:pic>
         <p:nvPicPr>
-          <p:cNvPr id="59" name="Picture 58"/>
-          <p:cNvPicPr/>
-          <p:nvPr/>
-        </p:nvPicPr>
-        <p:blipFill>
-          <a:blip r:embed="rId5"/>
-          <a:stretch/>
-        </p:blipFill>
-        <p:spPr>
-          <a:xfrm>
-            <a:off x="1063956" y="16305530"/>
-            <a:ext cx="9050952" cy="7867031"/>
-          </a:xfrm>
-          <a:prstGeom prst="rect">
-            <a:avLst/>
-          </a:prstGeom>
-          <a:ln>
-            <a:noFill/>
-          </a:ln>
-        </p:spPr>
-      </p:pic>
-      <p:pic>
-        <p:nvPicPr>
-          <p:cNvPr id="60" name="image5.png"/>
+          <p:cNvPr id="65" name="image5.png"/>
           <p:cNvPicPr/>
           <p:nvPr/>
         </p:nvPicPr>
@@ -3642,7 +3847,7 @@
         </p:blipFill>
         <p:spPr>
           <a:xfrm>
-            <a:off x="10108584" y="14837253"/>
+            <a:off x="23192238" y="14897784"/>
             <a:ext cx="1806834" cy="1806834"/>
           </a:xfrm>
           <a:prstGeom prst="rect">
@@ -3655,21 +3860,19 @@
       </p:pic>
       <p:sp>
         <p:nvSpPr>
-          <p:cNvPr id="61" name="CustomShape 12"/>
+          <p:cNvPr id="68" name="CustomShape 18"/>
           <p:cNvSpPr/>
           <p:nvPr/>
         </p:nvSpPr>
         <p:spPr>
           <a:xfrm>
-            <a:off x="2421218" y="14958315"/>
-            <a:ext cx="6718879" cy="1150078"/>
-          </a:xfrm>
-          <a:prstGeom prst="rect">
-            <a:avLst/>
-          </a:prstGeom>
-          <a:solidFill>
-            <a:srgbClr val="FF9999"/>
-          </a:solidFill>
+            <a:off x="952447" y="26972042"/>
+            <a:ext cx="10471766" cy="3936900"/>
+          </a:xfrm>
+          <a:prstGeom prst="rect">
+            <a:avLst/>
+          </a:prstGeom>
+          <a:noFill/>
           <a:ln w="76320">
             <a:solidFill>
               <a:srgbClr val="FF9999"/>
@@ -3690,240 +3893,6 @@
           <a:fontRef idx="minor"/>
         </p:style>
       </p:sp>
-      <p:sp>
-        <p:nvSpPr>
-          <p:cNvPr id="62" name="TextShape 13"/>
-          <p:cNvSpPr txBox="1"/>
-          <p:nvPr/>
-        </p:nvSpPr>
-        <p:spPr>
-          <a:xfrm>
-            <a:off x="2421218" y="15079376"/>
-            <a:ext cx="6718879" cy="792343"/>
-          </a:xfrm>
-          <a:prstGeom prst="rect">
-            <a:avLst/>
-          </a:prstGeom>
-          <a:noFill/>
-          <a:ln>
-            <a:noFill/>
-          </a:ln>
-        </p:spPr>
-        <p:txBody>
-          <a:bodyPr lIns="75663" tIns="37832" rIns="75663" bIns="37832"/>
-          <a:lstStyle/>
-          <a:p>
-            <a:pPr algn="ctr"/>
-            <a:r>
-              <a:rPr lang="en-GB" sz="5044" spc="-1" dirty="0">
-                <a:solidFill>
-                  <a:srgbClr val="000000"/>
-                </a:solidFill>
-                <a:uFill>
-                  <a:solidFill>
-                    <a:srgbClr val="FFFFFF"/>
-                  </a:solidFill>
-                </a:uFill>
-                <a:latin typeface="Helvetica Neue"/>
-              </a:rPr>
-              <a:t>Architecture</a:t>
-            </a:r>
-            <a:endParaRPr lang="en-GB" sz="1513" spc="-1" dirty="0">
-              <a:solidFill>
-                <a:srgbClr val="000000"/>
-              </a:solidFill>
-              <a:uFill>
-                <a:solidFill>
-                  <a:srgbClr val="FFFFFF"/>
-                </a:solidFill>
-              </a:uFill>
-              <a:latin typeface="Helvetica Neue"/>
-            </a:endParaRPr>
-          </a:p>
-        </p:txBody>
-      </p:sp>
-      <p:sp>
-        <p:nvSpPr>
-          <p:cNvPr id="64" name="CustomShape 15"/>
-          <p:cNvSpPr/>
-          <p:nvPr/>
-        </p:nvSpPr>
-        <p:spPr>
-          <a:xfrm>
-            <a:off x="12529802" y="15494009"/>
-            <a:ext cx="11924496" cy="15444341"/>
-          </a:xfrm>
-          <a:prstGeom prst="rect">
-            <a:avLst/>
-          </a:prstGeom>
-          <a:noFill/>
-          <a:ln w="76320">
-            <a:solidFill>
-              <a:srgbClr val="FF9999"/>
-            </a:solidFill>
-            <a:round/>
-          </a:ln>
-        </p:spPr>
-        <p:style>
-          <a:lnRef idx="0">
-            <a:scrgbClr r="0" g="0" b="0"/>
-          </a:lnRef>
-          <a:fillRef idx="0">
-            <a:scrgbClr r="0" g="0" b="0"/>
-          </a:fillRef>
-          <a:effectRef idx="0">
-            <a:scrgbClr r="0" g="0" b="0"/>
-          </a:effectRef>
-          <a:fontRef idx="minor"/>
-        </p:style>
-      </p:sp>
-      <p:pic>
-        <p:nvPicPr>
-          <p:cNvPr id="65" name="image5.png"/>
-          <p:cNvPicPr/>
-          <p:nvPr/>
-        </p:nvPicPr>
-        <p:blipFill>
-          <a:blip r:embed="rId2"/>
-          <a:stretch/>
-        </p:blipFill>
-        <p:spPr>
-          <a:xfrm>
-            <a:off x="23192238" y="14897784"/>
-            <a:ext cx="1806834" cy="1806834"/>
-          </a:xfrm>
-          <a:prstGeom prst="rect">
-            <a:avLst/>
-          </a:prstGeom>
-          <a:ln w="12600">
-            <a:noFill/>
-          </a:ln>
-        </p:spPr>
-      </p:pic>
-      <p:sp>
-        <p:nvSpPr>
-          <p:cNvPr id="66" name="CustomShape 16"/>
-          <p:cNvSpPr/>
-          <p:nvPr/>
-        </p:nvSpPr>
-        <p:spPr>
-          <a:xfrm>
-            <a:off x="15193140" y="14958315"/>
-            <a:ext cx="6718879" cy="1150078"/>
-          </a:xfrm>
-          <a:prstGeom prst="rect">
-            <a:avLst/>
-          </a:prstGeom>
-          <a:solidFill>
-            <a:srgbClr val="FF9999"/>
-          </a:solidFill>
-          <a:ln w="76320">
-            <a:solidFill>
-              <a:srgbClr val="FF9999"/>
-            </a:solidFill>
-            <a:round/>
-          </a:ln>
-        </p:spPr>
-        <p:style>
-          <a:lnRef idx="0">
-            <a:scrgbClr r="0" g="0" b="0"/>
-          </a:lnRef>
-          <a:fillRef idx="0">
-            <a:scrgbClr r="0" g="0" b="0"/>
-          </a:fillRef>
-          <a:effectRef idx="0">
-            <a:scrgbClr r="0" g="0" b="0"/>
-          </a:effectRef>
-          <a:fontRef idx="minor"/>
-        </p:style>
-      </p:sp>
-      <p:sp>
-        <p:nvSpPr>
-          <p:cNvPr id="67" name="TextShape 17"/>
-          <p:cNvSpPr txBox="1"/>
-          <p:nvPr/>
-        </p:nvSpPr>
-        <p:spPr>
-          <a:xfrm>
-            <a:off x="15193140" y="15079376"/>
-            <a:ext cx="6718879" cy="792343"/>
-          </a:xfrm>
-          <a:prstGeom prst="rect">
-            <a:avLst/>
-          </a:prstGeom>
-          <a:noFill/>
-          <a:ln>
-            <a:noFill/>
-          </a:ln>
-        </p:spPr>
-        <p:txBody>
-          <a:bodyPr lIns="75663" tIns="37832" rIns="75663" bIns="37832"/>
-          <a:lstStyle/>
-          <a:p>
-            <a:pPr algn="ctr"/>
-            <a:r>
-              <a:rPr lang="en-GB" sz="5044" spc="-1" dirty="0">
-                <a:solidFill>
-                  <a:srgbClr val="000000"/>
-                </a:solidFill>
-                <a:uFill>
-                  <a:solidFill>
-                    <a:srgbClr val="FFFFFF"/>
-                  </a:solidFill>
-                </a:uFill>
-                <a:latin typeface="Helvetica Neue"/>
-              </a:rPr>
-              <a:t>Results</a:t>
-            </a:r>
-            <a:endParaRPr lang="en-GB" sz="1513" spc="-1" dirty="0">
-              <a:solidFill>
-                <a:srgbClr val="000000"/>
-              </a:solidFill>
-              <a:uFill>
-                <a:solidFill>
-                  <a:srgbClr val="FFFFFF"/>
-                </a:solidFill>
-              </a:uFill>
-              <a:latin typeface="Helvetica Neue"/>
-            </a:endParaRPr>
-          </a:p>
-        </p:txBody>
-      </p:sp>
-      <p:sp>
-        <p:nvSpPr>
-          <p:cNvPr id="68" name="CustomShape 18"/>
-          <p:cNvSpPr/>
-          <p:nvPr/>
-        </p:nvSpPr>
-        <p:spPr>
-          <a:xfrm>
-            <a:off x="952447" y="26972042"/>
-            <a:ext cx="10471766" cy="3936900"/>
-          </a:xfrm>
-          <a:prstGeom prst="rect">
-            <a:avLst/>
-          </a:prstGeom>
-          <a:noFill/>
-          <a:ln w="76320">
-            <a:solidFill>
-              <a:srgbClr val="FF9999"/>
-            </a:solidFill>
-            <a:round/>
-          </a:ln>
-        </p:spPr>
-        <p:style>
-          <a:lnRef idx="0">
-            <a:scrgbClr r="0" g="0" b="0"/>
-          </a:lnRef>
-          <a:fillRef idx="0">
-            <a:scrgbClr r="0" g="0" b="0"/>
-          </a:fillRef>
-          <a:effectRef idx="0">
-            <a:scrgbClr r="0" g="0" b="0"/>
-          </a:effectRef>
-          <a:fontRef idx="minor"/>
-        </p:style>
-      </p:sp>
       <p:pic>
         <p:nvPicPr>
           <p:cNvPr id="69" name="image5.png"/>
@@ -3947,95 +3916,6 @@
           </a:ln>
         </p:spPr>
       </p:pic>
-      <p:sp>
-        <p:nvSpPr>
-          <p:cNvPr id="70" name="CustomShape 19"/>
-          <p:cNvSpPr/>
-          <p:nvPr/>
-        </p:nvSpPr>
-        <p:spPr>
-          <a:xfrm>
-            <a:off x="2405177" y="26457534"/>
-            <a:ext cx="6718879" cy="1150078"/>
-          </a:xfrm>
-          <a:prstGeom prst="rect">
-            <a:avLst/>
-          </a:prstGeom>
-          <a:solidFill>
-            <a:srgbClr val="FF9999"/>
-          </a:solidFill>
-          <a:ln w="76320">
-            <a:solidFill>
-              <a:srgbClr val="FF9999"/>
-            </a:solidFill>
-            <a:round/>
-          </a:ln>
-        </p:spPr>
-        <p:style>
-          <a:lnRef idx="0">
-            <a:scrgbClr r="0" g="0" b="0"/>
-          </a:lnRef>
-          <a:fillRef idx="0">
-            <a:scrgbClr r="0" g="0" b="0"/>
-          </a:fillRef>
-          <a:effectRef idx="0">
-            <a:scrgbClr r="0" g="0" b="0"/>
-          </a:effectRef>
-          <a:fontRef idx="minor"/>
-        </p:style>
-      </p:sp>
-      <p:sp>
-        <p:nvSpPr>
-          <p:cNvPr id="71" name="TextShape 20"/>
-          <p:cNvSpPr txBox="1"/>
-          <p:nvPr/>
-        </p:nvSpPr>
-        <p:spPr>
-          <a:xfrm>
-            <a:off x="2405177" y="26578594"/>
-            <a:ext cx="6718879" cy="792343"/>
-          </a:xfrm>
-          <a:prstGeom prst="rect">
-            <a:avLst/>
-          </a:prstGeom>
-          <a:noFill/>
-          <a:ln>
-            <a:noFill/>
-          </a:ln>
-        </p:spPr>
-        <p:txBody>
-          <a:bodyPr lIns="75663" tIns="37832" rIns="75663" bIns="37832"/>
-          <a:lstStyle/>
-          <a:p>
-            <a:pPr algn="ctr"/>
-            <a:r>
-              <a:rPr lang="en-GB" sz="5044" spc="-1" dirty="0">
-                <a:solidFill>
-                  <a:srgbClr val="000000"/>
-                </a:solidFill>
-                <a:uFill>
-                  <a:solidFill>
-                    <a:srgbClr val="FFFFFF"/>
-                  </a:solidFill>
-                </a:uFill>
-                <a:latin typeface="Helvetica Neue"/>
-              </a:rPr>
-              <a:t>Getting Started</a:t>
-            </a:r>
-            <a:endParaRPr lang="en-GB" sz="1513" spc="-1" dirty="0">
-              <a:solidFill>
-                <a:srgbClr val="000000"/>
-              </a:solidFill>
-              <a:uFill>
-                <a:solidFill>
-                  <a:srgbClr val="FFFFFF"/>
-                </a:solidFill>
-              </a:uFill>
-              <a:latin typeface="Helvetica Neue"/>
-            </a:endParaRPr>
-          </a:p>
-        </p:txBody>
-      </p:sp>
       <p:sp>
         <p:nvSpPr>
           <p:cNvPr id="72" name="TextShape 21"/>
@@ -4087,8 +3967,8 @@
         </p:nvSpPr>
         <p:spPr>
           <a:xfrm>
-            <a:off x="13074575" y="26161087"/>
-            <a:ext cx="10713888" cy="1454451"/>
+            <a:off x="12846636" y="26443962"/>
+            <a:ext cx="10961190" cy="1270694"/>
           </a:xfrm>
           <a:prstGeom prst="rect">
             <a:avLst/>
@@ -4103,7 +3983,7 @@
           <a:lstStyle/>
           <a:p>
             <a:r>
-              <a:rPr lang="en-GB" sz="2690" spc="-1" dirty="0">
+              <a:rPr lang="en-GB" sz="2800" spc="-1" dirty="0">
                 <a:solidFill>
                   <a:srgbClr val="000000"/>
                 </a:solidFill>
@@ -4114,75 +3994,8 @@
                 </a:uFill>
                 <a:latin typeface="Helvetica Neue"/>
               </a:rPr>
-              <a:t>Initial study: 10006 </a:t>
-            </a:r>
-            <a:r>
-              <a:rPr lang="en-GB" sz="2690" spc="-1" dirty="0">
-                <a:solidFill>
-                  <a:srgbClr val="000000"/>
-                </a:solidFill>
-                <a:uFill>
-                  <a:solidFill>
-                    <a:srgbClr val="FFFFFF"/>
-                  </a:solidFill>
-                </a:uFill>
-                <a:latin typeface="Helvetica Neue"/>
-              </a:rPr>
-              <a:t>out of 96978 (10.31%) of </a:t>
-            </a:r>
-            <a:r>
-              <a:rPr lang="en-GB" sz="2690" spc="-1" dirty="0">
-                <a:solidFill>
-                  <a:srgbClr val="000000"/>
-                </a:solidFill>
-                <a:uFill>
-                  <a:solidFill>
-                    <a:srgbClr val="FFFFFF"/>
-                  </a:solidFill>
-                </a:uFill>
-                <a:latin typeface="Helvetica Neue"/>
-              </a:rPr>
-              <a:t>Alexa Top 100k websites had unexpected, non-zero </a:t>
-            </a:r>
-            <a:r>
-              <a:rPr lang="en-GB" sz="2690" spc="-1" dirty="0">
-                <a:solidFill>
-                  <a:srgbClr val="000000"/>
-                </a:solidFill>
-                <a:uFill>
-                  <a:solidFill>
-                    <a:srgbClr val="FFFFFF"/>
-                  </a:solidFill>
-                </a:uFill>
-                <a:latin typeface="Helvetica Neue"/>
-              </a:rPr>
-              <a:t>DSCP </a:t>
-            </a:r>
-            <a:r>
-              <a:rPr lang="en-GB" sz="2690" spc="-1" dirty="0">
-                <a:solidFill>
-                  <a:srgbClr val="000000"/>
-                </a:solidFill>
-                <a:uFill>
-                  <a:solidFill>
-                    <a:srgbClr val="FFFFFF"/>
-                  </a:solidFill>
-                </a:uFill>
-                <a:latin typeface="Helvetica Neue"/>
-              </a:rPr>
-              <a:t>values. More measurement is necessary to better characterize these anomalies.</a:t>
-            </a:r>
-            <a:endParaRPr lang="en-GB" sz="2690" spc="-1" dirty="0">
-              <a:solidFill>
-                <a:srgbClr val="000000"/>
-              </a:solidFill>
-              <a:uFill>
-                <a:solidFill>
-                  <a:srgbClr val="FFFFFF"/>
-                </a:solidFill>
-              </a:uFill>
-              <a:latin typeface="Helvetica Neue"/>
-            </a:endParaRPr>
+              <a:t>Initial study: 10006 out of 96978 (10.31%) of Alexa Top 100k websites had unexpected, non-zero DSCP values. More measurement is necessary to better characterize these anomalies.</a:t>
+            </a:r>
           </a:p>
         </p:txBody>
       </p:sp>
@@ -4198,7 +4011,7 @@
         </p:blipFill>
         <p:spPr>
           <a:xfrm>
-            <a:off x="12848459" y="22250907"/>
+            <a:off x="12898951" y="22252927"/>
             <a:ext cx="10874466" cy="3345329"/>
           </a:xfrm>
           <a:prstGeom prst="rect">
@@ -4218,13 +4031,13 @@
           <p:nvPr>
             <p:extLst>
               <p:ext uri="{D42A27DB-BD31-4B8C-83A1-F6EECF244321}">
-                <p14:modId xmlns:p14="http://schemas.microsoft.com/office/powerpoint/2010/main" val="1805613091"/>
+                <p14:modId xmlns:p14="http://schemas.microsoft.com/office/powerpoint/2010/main" val="1523256864"/>
               </p:ext>
             </p:extLst>
           </p:nvPr>
         </p:nvGraphicFramePr>
         <p:xfrm>
-          <a:off x="13233804" y="18110523"/>
+          <a:off x="13389669" y="18109485"/>
           <a:ext cx="10204761" cy="2811633"/>
         </p:xfrm>
         <a:graphic>
@@ -4252,7 +4065,11 @@
                       </a:endParaRPr>
                     </a:p>
                   </a:txBody>
-                  <a:tcPr marL="76874" marR="76874" marT="38437" marB="38437"/>
+                  <a:tcPr marL="76874" marR="76874" marT="38437" marB="38437">
+                    <a:solidFill>
+                      <a:srgbClr val="FF8080"/>
+                    </a:solidFill>
+                  </a:tcPr>
                 </a:tc>
                 <a:tc>
                   <a:txBody>
@@ -4275,7 +4092,11 @@
                       </a:endParaRPr>
                     </a:p>
                   </a:txBody>
-                  <a:tcPr marL="76874" marR="76874" marT="38437" marB="38437"/>
+                  <a:tcPr marL="76874" marR="76874" marT="38437" marB="38437" anchor="ctr">
+                    <a:solidFill>
+                      <a:srgbClr val="FF8080"/>
+                    </a:solidFill>
+                  </a:tcPr>
                 </a:tc>
                 <a:tc>
                   <a:txBody>
@@ -4298,7 +4119,11 @@
                       </a:endParaRPr>
                     </a:p>
                   </a:txBody>
-                  <a:tcPr marL="76874" marR="76874" marT="38437" marB="38437"/>
+                  <a:tcPr marL="76874" marR="76874" marT="38437" marB="38437" anchor="ctr">
+                    <a:solidFill>
+                      <a:srgbClr val="FF8080"/>
+                    </a:solidFill>
+                  </a:tcPr>
                 </a:tc>
                 <a:tc>
                   <a:txBody>
@@ -4321,7 +4146,11 @@
                       </a:endParaRPr>
                     </a:p>
                   </a:txBody>
-                  <a:tcPr marL="76874" marR="76874" marT="38437" marB="38437"/>
+                  <a:tcPr marL="76874" marR="76874" marT="38437" marB="38437" anchor="ctr">
+                    <a:solidFill>
+                      <a:srgbClr val="FF8080"/>
+                    </a:solidFill>
+                  </a:tcPr>
                 </a:tc>
               </a:tr>
               <a:tr h="999358">
@@ -4370,7 +4199,14 @@
                       </a:endParaRPr>
                     </a:p>
                   </a:txBody>
-                  <a:tcPr marL="76874" marR="76874" marT="38437" marB="38437"/>
+                  <a:tcPr marL="76874" marR="76874" marT="38437" marB="38437">
+                    <a:solidFill>
+                      <a:schemeClr val="accent2">
+                        <a:lumMod val="20000"/>
+                        <a:lumOff val="80000"/>
+                      </a:schemeClr>
+                    </a:solidFill>
+                  </a:tcPr>
                 </a:tc>
                 <a:tc>
                   <a:txBody>
@@ -4388,7 +4224,14 @@
                       </a:r>
                     </a:p>
                   </a:txBody>
-                  <a:tcPr marL="76874" marR="76874" marT="38437" marB="38437" anchor="ctr"/>
+                  <a:tcPr marL="76874" marR="76874" marT="38437" marB="38437" anchor="ctr">
+                    <a:solidFill>
+                      <a:schemeClr val="accent2">
+                        <a:lumMod val="20000"/>
+                        <a:lumOff val="80000"/>
+                      </a:schemeClr>
+                    </a:solidFill>
+                  </a:tcPr>
                 </a:tc>
                 <a:tc>
                   <a:txBody>
@@ -4411,7 +4254,14 @@
                       </a:endParaRPr>
                     </a:p>
                   </a:txBody>
-                  <a:tcPr marL="76874" marR="76874" marT="38437" marB="38437" anchor="ctr"/>
+                  <a:tcPr marL="76874" marR="76874" marT="38437" marB="38437" anchor="ctr">
+                    <a:solidFill>
+                      <a:schemeClr val="accent2">
+                        <a:lumMod val="20000"/>
+                        <a:lumOff val="80000"/>
+                      </a:schemeClr>
+                    </a:solidFill>
+                  </a:tcPr>
                 </a:tc>
                 <a:tc>
                   <a:txBody>
@@ -4434,7 +4284,14 @@
                       </a:endParaRPr>
                     </a:p>
                   </a:txBody>
-                  <a:tcPr marL="76874" marR="76874" marT="38437" marB="38437" anchor="ctr"/>
+                  <a:tcPr marL="76874" marR="76874" marT="38437" marB="38437" anchor="ctr">
+                    <a:solidFill>
+                      <a:schemeClr val="accent2">
+                        <a:lumMod val="20000"/>
+                        <a:lumOff val="80000"/>
+                      </a:schemeClr>
+                    </a:solidFill>
+                  </a:tcPr>
                 </a:tc>
               </a:tr>
               <a:tr h="999358">
@@ -4562,7 +4419,7 @@
         </p:nvSpPr>
         <p:spPr>
           <a:xfrm>
-            <a:off x="13553976" y="16847297"/>
+            <a:off x="13091523" y="16943903"/>
             <a:ext cx="9755086" cy="1023998"/>
           </a:xfrm>
           <a:prstGeom prst="rect">
@@ -4576,6 +4433,20 @@
           <a:lstStyle/>
           <a:p>
             <a:r>
+              <a:rPr lang="en-GB" sz="2800" spc="-1" dirty="0">
+                <a:solidFill>
+                  <a:srgbClr val="000000"/>
+                </a:solidFill>
+                <a:uFill>
+                  <a:solidFill>
+                    <a:srgbClr val="FFFFFF"/>
+                  </a:solidFill>
+                </a:uFill>
+                <a:latin typeface="Helvetica Neue"/>
+              </a:rPr>
+              <a:t>An ECN measurement from one vantage point at Digital Ocean near AMSIX (Amsterdam NL) on June 13, 2016</a:t>
+            </a:r>
+            <a:r>
               <a:rPr lang="en-GB" sz="3027" spc="-1" dirty="0">
                 <a:solidFill>
                   <a:srgbClr val="000000"/>
@@ -4587,7 +4458,7 @@
                 </a:uFill>
                 <a:latin typeface="Helvetica Neue"/>
               </a:rPr>
-              <a:t>An ECN measurement from one vantage point at Digital Ocean near AMSIX (Amsterdam NL) on June 13, 2016:</a:t>
+              <a:t>:</a:t>
             </a:r>
           </a:p>
         </p:txBody>
@@ -4600,7 +4471,7 @@
         </p:nvSpPr>
         <p:spPr>
           <a:xfrm>
-            <a:off x="13132820" y="21183622"/>
+            <a:off x="13021007" y="21282236"/>
             <a:ext cx="10305744" cy="1023998"/>
           </a:xfrm>
           <a:prstGeom prst="rect">
@@ -4614,6 +4485,20 @@
           <a:lstStyle/>
           <a:p>
             <a:r>
+              <a:rPr lang="en-GB" sz="2800" spc="-1" dirty="0">
+                <a:solidFill>
+                  <a:srgbClr val="000000"/>
+                </a:solidFill>
+                <a:uFill>
+                  <a:solidFill>
+                    <a:srgbClr val="FFFFFF"/>
+                  </a:solidFill>
+                </a:uFill>
+                <a:latin typeface="Helvetica Neue"/>
+              </a:rPr>
+              <a:t>ECN negotiation by Alexa rank bin: note this is nearly uniform, but higher-ranked servers tend to disable ECN</a:t>
+            </a:r>
+            <a:r>
               <a:rPr lang="en-GB" sz="3027" spc="-1" dirty="0">
                 <a:solidFill>
                   <a:srgbClr val="000000"/>
@@ -4625,7 +4510,7 @@
                 </a:uFill>
                 <a:latin typeface="Helvetica Neue"/>
               </a:rPr>
-              <a:t>ECN negotiation by Alexa rank bin: note this is nearly uniform, but higher-ranked servers tend to disable ECN:</a:t>
+              <a:t>:</a:t>
             </a:r>
           </a:p>
         </p:txBody>
@@ -4638,8 +4523,8 @@
         </p:nvSpPr>
         <p:spPr>
           <a:xfrm>
-            <a:off x="12602824" y="16108511"/>
-            <a:ext cx="1285545" cy="713272"/>
+            <a:off x="12926913" y="16267800"/>
+            <a:ext cx="9868214" cy="713272"/>
           </a:xfrm>
           <a:prstGeom prst="rect">
             <a:avLst/>
@@ -4652,7 +4537,7 @@
           <a:lstStyle/>
           <a:p>
             <a:r>
-              <a:rPr lang="en-GB" sz="4035" b="1" spc="-1" dirty="0">
+              <a:rPr lang="en-GB" sz="4035" b="1" spc="-1" dirty="0" smtClean="0">
                 <a:solidFill>
                   <a:srgbClr val="000000"/>
                 </a:solidFill>
@@ -4663,7 +4548,7 @@
                 </a:uFill>
                 <a:latin typeface="Helvetica Neue"/>
               </a:rPr>
-              <a:t>ECN</a:t>
+              <a:t>Explicit Congestion Notification (ECN)</a:t>
             </a:r>
             <a:endParaRPr lang="en-US" sz="1273" b="1" dirty="0"/>
           </a:p>
@@ -4677,8 +4562,8 @@
         </p:nvSpPr>
         <p:spPr>
           <a:xfrm>
-            <a:off x="12651884" y="25374315"/>
-            <a:ext cx="1630062" cy="713272"/>
+            <a:off x="12846636" y="25567262"/>
+            <a:ext cx="7252050" cy="713272"/>
           </a:xfrm>
           <a:prstGeom prst="rect">
             <a:avLst/>
@@ -4691,7 +4576,7 @@
           <a:lstStyle/>
           <a:p>
             <a:r>
-              <a:rPr lang="en-GB" sz="4035" b="1" spc="-1" dirty="0">
+              <a:rPr lang="en-GB" sz="4035" b="1" spc="-1" dirty="0" err="1" smtClean="0">
                 <a:solidFill>
                   <a:srgbClr val="000000"/>
                 </a:solidFill>
@@ -4702,7 +4587,21 @@
                 </a:uFill>
                 <a:latin typeface="Helvetica Neue"/>
               </a:rPr>
-              <a:t>DSCP</a:t>
+              <a:t>DiffServ</a:t>
+            </a:r>
+            <a:r>
+              <a:rPr lang="en-GB" sz="4035" b="1" spc="-1" dirty="0" smtClean="0">
+                <a:solidFill>
+                  <a:srgbClr val="000000"/>
+                </a:solidFill>
+                <a:uFill>
+                  <a:solidFill>
+                    <a:srgbClr val="FFFFFF"/>
+                  </a:solidFill>
+                </a:uFill>
+                <a:latin typeface="Helvetica Neue"/>
+              </a:rPr>
+              <a:t> Code Points (DSCP)</a:t>
             </a:r>
             <a:endParaRPr lang="en-US" sz="1273" b="1" dirty="0"/>
           </a:p>
@@ -4716,8 +4615,8 @@
         </p:nvSpPr>
         <p:spPr>
           <a:xfrm>
-            <a:off x="12693839" y="27785571"/>
-            <a:ext cx="1208601" cy="713272"/>
+            <a:off x="12846636" y="27922204"/>
+            <a:ext cx="5403467" cy="713272"/>
           </a:xfrm>
           <a:prstGeom prst="rect">
             <a:avLst/>
@@ -4730,7 +4629,7 @@
           <a:lstStyle/>
           <a:p>
             <a:r>
-              <a:rPr lang="en-GB" sz="4035" b="1" spc="-1" dirty="0">
+              <a:rPr lang="en-GB" sz="4035" b="1" spc="-1" dirty="0" smtClean="0">
                 <a:solidFill>
                   <a:srgbClr val="000000"/>
                 </a:solidFill>
@@ -4741,7 +4640,7 @@
                 </a:uFill>
                 <a:latin typeface="Helvetica Neue"/>
               </a:rPr>
-              <a:t>TFO</a:t>
+              <a:t>TCP Fast Open (TFO)</a:t>
             </a:r>
             <a:endParaRPr lang="en-US" sz="1273" b="1" dirty="0"/>
           </a:p>
@@ -4755,8 +4654,8 @@
         </p:nvSpPr>
         <p:spPr>
           <a:xfrm>
-            <a:off x="13095761" y="28733961"/>
-            <a:ext cx="10713888" cy="1886191"/>
+            <a:off x="12846636" y="28700790"/>
+            <a:ext cx="10961190" cy="1886191"/>
           </a:xfrm>
           <a:prstGeom prst="rect">
             <a:avLst/>
@@ -4771,7 +4670,7 @@
           <a:lstStyle/>
           <a:p>
             <a:r>
-              <a:rPr lang="en-GB" sz="2690" spc="-1" dirty="0">
+              <a:rPr lang="en-GB" sz="2800" spc="-1" dirty="0">
                 <a:solidFill>
                   <a:srgbClr val="000000"/>
                 </a:solidFill>
@@ -4785,7 +4684,7 @@
               <a:t>Initial study: 330 IPv4 and 32 IPv6 addresses in Alexa Top 1M are TFO-capable (of which 278 and 28 are Google properties). </a:t>
             </a:r>
             <a:r>
-              <a:rPr lang="en-GB" sz="2690" spc="-1" dirty="0" err="1">
+              <a:rPr lang="en-GB" sz="2800" spc="-1" dirty="0" err="1">
                 <a:solidFill>
                   <a:srgbClr val="000000"/>
                 </a:solidFill>
@@ -4799,7 +4698,7 @@
               <a:t>DDoS</a:t>
             </a:r>
             <a:r>
-              <a:rPr lang="en-GB" sz="2690" spc="-1" dirty="0">
+              <a:rPr lang="en-GB" sz="2800" spc="-1" dirty="0">
                 <a:solidFill>
                   <a:srgbClr val="000000"/>
                 </a:solidFill>
@@ -4813,7 +4712,7 @@
               <a:t> prevention services, enterprise firewalls, and CPE tend to interfere with TFO. More measurement is necessary to </a:t>
             </a:r>
             <a:r>
-              <a:rPr lang="en-GB" sz="2690" spc="-1" dirty="0" err="1">
+              <a:rPr lang="en-GB" sz="2800" spc="-1" dirty="0" err="1">
                 <a:solidFill>
                   <a:srgbClr val="000000"/>
                 </a:solidFill>
@@ -4827,7 +4726,7 @@
               <a:t>analyze</a:t>
             </a:r>
             <a:r>
-              <a:rPr lang="en-GB" sz="2690" spc="-1" dirty="0">
+              <a:rPr lang="en-GB" sz="2800" spc="-1" dirty="0">
                 <a:solidFill>
                   <a:srgbClr val="000000"/>
                 </a:solidFill>
@@ -4841,7 +4740,7 @@
               <a:t> </a:t>
             </a:r>
             <a:r>
-              <a:rPr lang="en-GB" sz="2690" spc="-1" dirty="0" err="1">
+              <a:rPr lang="en-GB" sz="2800" spc="-1" dirty="0" smtClean="0">
                 <a:solidFill>
                   <a:srgbClr val="000000"/>
                 </a:solidFill>
@@ -4852,23 +4751,9 @@
                 </a:uFill>
                 <a:latin typeface="Helvetica Neue"/>
               </a:rPr>
-              <a:t>impariments</a:t>
-            </a:r>
-            <a:r>
-              <a:rPr lang="en-GB" sz="2690" spc="-1" dirty="0">
-                <a:solidFill>
-                  <a:srgbClr val="000000"/>
-                </a:solidFill>
-                <a:uFill>
-                  <a:solidFill>
-                    <a:srgbClr val="FFFFFF"/>
-                  </a:solidFill>
-                </a:uFill>
-                <a:latin typeface="Helvetica Neue"/>
-              </a:rPr>
-              <a:t>.</a:t>
-            </a:r>
-            <a:endParaRPr lang="en-GB" sz="2690" spc="-1" dirty="0">
+              <a:t>impairments.</a:t>
+            </a:r>
+            <a:endParaRPr lang="en-GB" sz="2800" spc="-1" dirty="0">
               <a:solidFill>
                 <a:srgbClr val="000000"/>
               </a:solidFill>
@@ -5008,8 +4893,8 @@
         </p:nvSpPr>
         <p:spPr>
           <a:xfrm>
-            <a:off x="1063956" y="27659557"/>
-            <a:ext cx="9801258" cy="3145669"/>
+            <a:off x="1287701" y="27649341"/>
+            <a:ext cx="9801258" cy="2985433"/>
           </a:xfrm>
           <a:prstGeom prst="rect">
             <a:avLst/>
@@ -5023,23 +4908,51 @@
           <a:lstStyle/>
           <a:p>
             <a:r>
-              <a:rPr lang="en-US" sz="3027" dirty="0" err="1">
+              <a:rPr lang="en-GB" sz="2800" b="1" spc="-1" dirty="0" err="1">
+                <a:solidFill>
+                  <a:srgbClr val="000000"/>
+                </a:solidFill>
+                <a:uFill>
+                  <a:solidFill>
+                    <a:srgbClr val="FFFFFF"/>
+                  </a:solidFill>
+                </a:uFill>
+                <a:latin typeface="Helvetica Neue"/>
+              </a:rPr>
+              <a:t>PATH</a:t>
+            </a:r>
+            <a:r>
+              <a:rPr lang="en-GB" sz="2800" spc="-1" dirty="0" err="1">
+                <a:solidFill>
+                  <a:srgbClr val="000000"/>
+                </a:solidFill>
+                <a:uFill>
+                  <a:solidFill>
+                    <a:srgbClr val="FFFFFF"/>
+                  </a:solidFill>
+                </a:uFill>
+                <a:latin typeface="Bauhaus 93" panose="04030905020B02020C02" pitchFamily="82" charset="0"/>
+              </a:rPr>
+              <a:t>spider</a:t>
+            </a:r>
+            <a:r>
+              <a:rPr lang="en-US" sz="2800" dirty="0" smtClean="0">
                 <a:latin typeface="Helvetica Neue" charset="0"/>
                 <a:ea typeface="Helvetica Neue" charset="0"/>
                 <a:cs typeface="Helvetica Neue" charset="0"/>
               </a:rPr>
-              <a:t>PathSpider</a:t>
-            </a:r>
-            <a:r>
-              <a:rPr lang="en-US" sz="3027" dirty="0">
+              <a:t> </a:t>
+            </a:r>
+            <a:r>
+              <a:rPr lang="en-US" sz="2800" dirty="0">
                 <a:latin typeface="Helvetica Neue" charset="0"/>
                 <a:ea typeface="Helvetica Neue" charset="0"/>
                 <a:cs typeface="Helvetica Neue" charset="0"/>
               </a:rPr>
-              <a:t> is available in </a:t>
-            </a:r>
-            <a:r>
-              <a:rPr lang="en-US" sz="3027" dirty="0" err="1">
+              <a:t>is available in </a:t>
+            </a:r>
+            <a:r>
+              <a:rPr lang="en-US" sz="2800" dirty="0" err="1">
                 <a:latin typeface="Helvetica Neue" charset="0"/>
                 <a:ea typeface="Helvetica Neue" charset="0"/>
                 <a:cs typeface="Helvetica Neue" charset="0"/>
@@ -5047,7 +4960,7 @@
               <a:t>debian</a:t>
             </a:r>
             <a:r>
-              <a:rPr lang="en-US" sz="3027" dirty="0">
+              <a:rPr lang="en-US" sz="2800" dirty="0">
                 <a:latin typeface="Helvetica Neue" charset="0"/>
                 <a:ea typeface="Helvetica Neue" charset="0"/>
                 <a:cs typeface="Helvetica Neue" charset="0"/>
@@ -5056,63 +4969,87 @@
             </a:r>
           </a:p>
           <a:p>
-            <a:r>
-              <a:rPr lang="en-US" sz="3027" dirty="0">
+            <a:pPr>
+              <a:spcAft>
+                <a:spcPts val="1200"/>
+              </a:spcAft>
+            </a:pPr>
+            <a:r>
+              <a:rPr lang="en-US" sz="2800" dirty="0" smtClean="0">
                 <a:latin typeface="Inconsolata Medium" charset="0"/>
                 <a:ea typeface="Inconsolata Medium" charset="0"/>
                 <a:cs typeface="Inconsolata Medium" charset="0"/>
               </a:rPr>
-              <a:t>$ apt install </a:t>
-            </a:r>
-            <a:r>
-              <a:rPr lang="en-US" sz="3027" dirty="0" err="1">
+              <a:t># apt </a:t>
+            </a:r>
+            <a:r>
+              <a:rPr lang="en-US" sz="2800" dirty="0">
                 <a:latin typeface="Inconsolata Medium" charset="0"/>
                 <a:ea typeface="Inconsolata Medium" charset="0"/>
                 <a:cs typeface="Inconsolata Medium" charset="0"/>
               </a:rPr>
+              <a:t>install </a:t>
+            </a:r>
+            <a:r>
+              <a:rPr lang="en-US" sz="2800" dirty="0" err="1" smtClean="0">
+                <a:latin typeface="Inconsolata Medium" charset="0"/>
+                <a:ea typeface="Inconsolata Medium" charset="0"/>
+                <a:cs typeface="Inconsolata Medium" charset="0"/>
+              </a:rPr>
               <a:t>pathspider</a:t>
             </a:r>
-            <a:endParaRPr lang="en-US" sz="3027" dirty="0">
+            <a:endParaRPr lang="en-US" sz="2800" dirty="0">
               <a:latin typeface="Inconsolata Medium" charset="0"/>
               <a:ea typeface="Inconsolata Medium" charset="0"/>
               <a:cs typeface="Inconsolata Medium" charset="0"/>
             </a:endParaRPr>
           </a:p>
           <a:p>
-            <a:endParaRPr lang="en-US" sz="3027" dirty="0">
-              <a:latin typeface="Inconsolata Medium" charset="0"/>
-              <a:ea typeface="Inconsolata Medium" charset="0"/>
-              <a:cs typeface="Inconsolata Medium" charset="0"/>
-            </a:endParaRPr>
-          </a:p>
-          <a:p>
-            <a:r>
-              <a:rPr lang="en-US" sz="2690" dirty="0">
+            <a:pPr>
+              <a:spcAft>
+                <a:spcPts val="1200"/>
+              </a:spcAft>
+            </a:pPr>
+            <a:r>
+              <a:rPr lang="en-US" sz="2800" dirty="0">
                 <a:latin typeface="Helvetica Neue" charset="0"/>
                 <a:ea typeface="Helvetica Neue" charset="0"/>
                 <a:cs typeface="Helvetica Neue" charset="0"/>
               </a:rPr>
-              <a:t>0.9.0 alpha was released shortly before ANRW.</a:t>
-            </a:r>
-          </a:p>
-          <a:p>
-            <a:r>
-              <a:rPr lang="en-US" sz="2690" dirty="0">
+              <a:t>0.9.0 alpha was released shortly before </a:t>
+            </a:r>
+            <a:r>
+              <a:rPr lang="en-US" sz="2800" dirty="0" smtClean="0">
                 <a:latin typeface="Helvetica Neue" charset="0"/>
                 <a:ea typeface="Helvetica Neue" charset="0"/>
                 <a:cs typeface="Helvetica Neue" charset="0"/>
               </a:rPr>
-              <a:t>Active development on new plugins (e.g. SCTP, UDP-Lite, MPTCP), enhancements, and integration with the </a:t>
-            </a:r>
-            <a:br>
-              <a:rPr lang="en-US" sz="2690" dirty="0">
+              <a:t>ANRW!</a:t>
+            </a:r>
+            <a:endParaRPr lang="en-US" sz="2800" dirty="0">
+              <a:latin typeface="Helvetica Neue" charset="0"/>
+              <a:ea typeface="Helvetica Neue" charset="0"/>
+              <a:cs typeface="Helvetica Neue" charset="0"/>
+            </a:endParaRPr>
+          </a:p>
+          <a:p>
+            <a:r>
+              <a:rPr lang="en-US" sz="2800" dirty="0">
                 <a:latin typeface="Helvetica Neue" charset="0"/>
                 <a:ea typeface="Helvetica Neue" charset="0"/>
                 <a:cs typeface="Helvetica Neue" charset="0"/>
               </a:rPr>
+              <a:t>Active development on new plugins (e.g. SCTP, UDP-Lite, MPTCP), enhancements, and integration with the </a:t>
+            </a:r>
+            <a:br>
+              <a:rPr lang="en-US" sz="2800" dirty="0">
+                <a:latin typeface="Helvetica Neue" charset="0"/>
+                <a:ea typeface="Helvetica Neue" charset="0"/>
+                <a:cs typeface="Helvetica Neue" charset="0"/>
+              </a:rPr>
             </a:br>
             <a:r>
-              <a:rPr lang="en-US" sz="2690" dirty="0">
+              <a:rPr lang="en-US" sz="2800" dirty="0">
                 <a:latin typeface="Helvetica Neue" charset="0"/>
                 <a:ea typeface="Helvetica Neue" charset="0"/>
                 <a:cs typeface="Helvetica Neue" charset="0"/>
@@ -5164,6 +5101,351 @@
           </a:p>
         </p:txBody>
       </p:sp>
+      <p:grpSp>
+        <p:nvGrpSpPr>
+          <p:cNvPr id="9" name="Gruppieren 8"/>
+          <p:cNvGrpSpPr/>
+          <p:nvPr/>
+        </p:nvGrpSpPr>
+        <p:grpSpPr>
+          <a:xfrm>
+            <a:off x="1965757" y="15048019"/>
+            <a:ext cx="7124603" cy="916077"/>
+            <a:chOff x="2163421" y="14134760"/>
+            <a:chExt cx="7124603" cy="916077"/>
+          </a:xfrm>
+        </p:grpSpPr>
+        <p:sp>
+          <p:nvSpPr>
+            <p:cNvPr id="63" name="Abgerundetes Rechteck 62"/>
+            <p:cNvSpPr/>
+            <p:nvPr/>
+          </p:nvSpPr>
+          <p:spPr>
+            <a:xfrm>
+              <a:off x="2163421" y="14134760"/>
+              <a:ext cx="7124603" cy="916077"/>
+            </a:xfrm>
+            <a:prstGeom prst="roundRect">
+              <a:avLst/>
+            </a:prstGeom>
+            <a:solidFill>
+              <a:schemeClr val="bg1"/>
+            </a:solidFill>
+            <a:ln w="76200">
+              <a:solidFill>
+                <a:srgbClr val="FF8080"/>
+              </a:solidFill>
+            </a:ln>
+          </p:spPr>
+          <p:style>
+            <a:lnRef idx="2">
+              <a:schemeClr val="accent1">
+                <a:shade val="50000"/>
+              </a:schemeClr>
+            </a:lnRef>
+            <a:fillRef idx="1">
+              <a:schemeClr val="accent1"/>
+            </a:fillRef>
+            <a:effectRef idx="0">
+              <a:schemeClr val="accent1"/>
+            </a:effectRef>
+            <a:fontRef idx="minor">
+              <a:schemeClr val="lt1"/>
+            </a:fontRef>
+          </p:style>
+          <p:txBody>
+            <a:bodyPr rtlCol="0" anchor="ctr"/>
+            <a:lstStyle/>
+            <a:p>
+              <a:pPr algn="ctr"/>
+              <a:endParaRPr lang="en-US"/>
+            </a:p>
+          </p:txBody>
+        </p:sp>
+        <p:sp>
+          <p:nvSpPr>
+            <p:cNvPr id="74" name="TextShape 5"/>
+            <p:cNvSpPr txBox="1"/>
+            <p:nvPr/>
+          </p:nvSpPr>
+          <p:spPr>
+            <a:xfrm>
+              <a:off x="2332847" y="14193882"/>
+              <a:ext cx="6790533" cy="792343"/>
+            </a:xfrm>
+            <a:prstGeom prst="rect">
+              <a:avLst/>
+            </a:prstGeom>
+            <a:noFill/>
+            <a:ln>
+              <a:noFill/>
+            </a:ln>
+          </p:spPr>
+          <p:txBody>
+            <a:bodyPr lIns="75663" tIns="37832" rIns="75663" bIns="37832"/>
+            <a:lstStyle/>
+            <a:p>
+              <a:pPr algn="ctr"/>
+              <a:r>
+                <a:rPr lang="en-GB" sz="4400" b="1" spc="-1" dirty="0" smtClean="0">
+                  <a:solidFill>
+                    <a:srgbClr val="FF8080"/>
+                  </a:solidFill>
+                  <a:uFill>
+                    <a:solidFill>
+                      <a:srgbClr val="FFFFFF"/>
+                    </a:solidFill>
+                  </a:uFill>
+                  <a:latin typeface="Helvetica Neue"/>
+                </a:rPr>
+                <a:t>Architecture</a:t>
+              </a:r>
+              <a:endParaRPr lang="en-GB" sz="4400" b="1" spc="-1" dirty="0">
+                <a:solidFill>
+                  <a:srgbClr val="FF8080"/>
+                </a:solidFill>
+                <a:uFill>
+                  <a:solidFill>
+                    <a:srgbClr val="FFFFFF"/>
+                  </a:solidFill>
+                </a:uFill>
+                <a:latin typeface="Helvetica Neue"/>
+              </a:endParaRPr>
+            </a:p>
+          </p:txBody>
+        </p:sp>
+      </p:grpSp>
+      <p:grpSp>
+        <p:nvGrpSpPr>
+          <p:cNvPr id="77" name="Gruppieren 76"/>
+          <p:cNvGrpSpPr/>
+          <p:nvPr/>
+        </p:nvGrpSpPr>
+        <p:grpSpPr>
+          <a:xfrm>
+            <a:off x="13835443" y="15128405"/>
+            <a:ext cx="8267246" cy="916077"/>
+            <a:chOff x="2163421" y="14134760"/>
+            <a:chExt cx="7124603" cy="916077"/>
+          </a:xfrm>
+        </p:grpSpPr>
+        <p:sp>
+          <p:nvSpPr>
+            <p:cNvPr id="78" name="Abgerundetes Rechteck 77"/>
+            <p:cNvSpPr/>
+            <p:nvPr/>
+          </p:nvSpPr>
+          <p:spPr>
+            <a:xfrm>
+              <a:off x="2163421" y="14134760"/>
+              <a:ext cx="7124603" cy="916077"/>
+            </a:xfrm>
+            <a:prstGeom prst="roundRect">
+              <a:avLst/>
+            </a:prstGeom>
+            <a:solidFill>
+              <a:schemeClr val="bg1"/>
+            </a:solidFill>
+            <a:ln w="76200">
+              <a:solidFill>
+                <a:srgbClr val="FF8080"/>
+              </a:solidFill>
+            </a:ln>
+          </p:spPr>
+          <p:style>
+            <a:lnRef idx="2">
+              <a:schemeClr val="accent1">
+                <a:shade val="50000"/>
+              </a:schemeClr>
+            </a:lnRef>
+            <a:fillRef idx="1">
+              <a:schemeClr val="accent1"/>
+            </a:fillRef>
+            <a:effectRef idx="0">
+              <a:schemeClr val="accent1"/>
+            </a:effectRef>
+            <a:fontRef idx="minor">
+              <a:schemeClr val="lt1"/>
+            </a:fontRef>
+          </p:style>
+          <p:txBody>
+            <a:bodyPr rtlCol="0" anchor="ctr"/>
+            <a:lstStyle/>
+            <a:p>
+              <a:pPr algn="ctr"/>
+              <a:endParaRPr lang="en-US"/>
+            </a:p>
+          </p:txBody>
+        </p:sp>
+        <p:sp>
+          <p:nvSpPr>
+            <p:cNvPr id="79" name="TextShape 5"/>
+            <p:cNvSpPr txBox="1"/>
+            <p:nvPr/>
+          </p:nvSpPr>
+          <p:spPr>
+            <a:xfrm>
+              <a:off x="2332847" y="14193882"/>
+              <a:ext cx="6790533" cy="792343"/>
+            </a:xfrm>
+            <a:prstGeom prst="rect">
+              <a:avLst/>
+            </a:prstGeom>
+            <a:noFill/>
+            <a:ln>
+              <a:noFill/>
+            </a:ln>
+          </p:spPr>
+          <p:txBody>
+            <a:bodyPr lIns="75663" tIns="37832" rIns="75663" bIns="37832"/>
+            <a:lstStyle/>
+            <a:p>
+              <a:pPr algn="ctr"/>
+              <a:r>
+                <a:rPr lang="en-GB" sz="4400" b="1" spc="-1" dirty="0" smtClean="0">
+                  <a:solidFill>
+                    <a:srgbClr val="FF8080"/>
+                  </a:solidFill>
+                  <a:uFill>
+                    <a:solidFill>
+                      <a:srgbClr val="FFFFFF"/>
+                    </a:solidFill>
+                  </a:uFill>
+                  <a:latin typeface="Helvetica Neue"/>
+                </a:rPr>
+                <a:t>Results</a:t>
+              </a:r>
+              <a:endParaRPr lang="en-GB" sz="4400" b="1" spc="-1" dirty="0">
+                <a:solidFill>
+                  <a:srgbClr val="FF8080"/>
+                </a:solidFill>
+                <a:uFill>
+                  <a:solidFill>
+                    <a:srgbClr val="FFFFFF"/>
+                  </a:solidFill>
+                </a:uFill>
+                <a:latin typeface="Helvetica Neue"/>
+              </a:endParaRPr>
+            </a:p>
+          </p:txBody>
+        </p:sp>
+      </p:grpSp>
+      <p:grpSp>
+        <p:nvGrpSpPr>
+          <p:cNvPr id="80" name="Gruppieren 79"/>
+          <p:cNvGrpSpPr/>
+          <p:nvPr/>
+        </p:nvGrpSpPr>
+        <p:grpSpPr>
+          <a:xfrm>
+            <a:off x="1965757" y="26399722"/>
+            <a:ext cx="7124603" cy="916077"/>
+            <a:chOff x="2163421" y="14134760"/>
+            <a:chExt cx="7124603" cy="916077"/>
+          </a:xfrm>
+        </p:grpSpPr>
+        <p:sp>
+          <p:nvSpPr>
+            <p:cNvPr id="81" name="Abgerundetes Rechteck 80"/>
+            <p:cNvSpPr/>
+            <p:nvPr/>
+          </p:nvSpPr>
+          <p:spPr>
+            <a:xfrm>
+              <a:off x="2163421" y="14134760"/>
+              <a:ext cx="7124603" cy="916077"/>
+            </a:xfrm>
+            <a:prstGeom prst="roundRect">
+              <a:avLst/>
+            </a:prstGeom>
+            <a:solidFill>
+              <a:schemeClr val="bg1"/>
+            </a:solidFill>
+            <a:ln w="76200">
+              <a:solidFill>
+                <a:srgbClr val="FF8080"/>
+              </a:solidFill>
+            </a:ln>
+          </p:spPr>
+          <p:style>
+            <a:lnRef idx="2">
+              <a:schemeClr val="accent1">
+                <a:shade val="50000"/>
+              </a:schemeClr>
+            </a:lnRef>
+            <a:fillRef idx="1">
+              <a:schemeClr val="accent1"/>
+            </a:fillRef>
+            <a:effectRef idx="0">
+              <a:schemeClr val="accent1"/>
+            </a:effectRef>
+            <a:fontRef idx="minor">
+              <a:schemeClr val="lt1"/>
+            </a:fontRef>
+          </p:style>
+          <p:txBody>
+            <a:bodyPr rtlCol="0" anchor="ctr"/>
+            <a:lstStyle/>
+            <a:p>
+              <a:pPr algn="ctr"/>
+              <a:endParaRPr lang="en-US"/>
+            </a:p>
+          </p:txBody>
+        </p:sp>
+        <p:sp>
+          <p:nvSpPr>
+            <p:cNvPr id="82" name="TextShape 5"/>
+            <p:cNvSpPr txBox="1"/>
+            <p:nvPr/>
+          </p:nvSpPr>
+          <p:spPr>
+            <a:xfrm>
+              <a:off x="2332847" y="14193882"/>
+              <a:ext cx="6790533" cy="792343"/>
+            </a:xfrm>
+            <a:prstGeom prst="rect">
+              <a:avLst/>
+            </a:prstGeom>
+            <a:noFill/>
+            <a:ln>
+              <a:noFill/>
+            </a:ln>
+          </p:spPr>
+          <p:txBody>
+            <a:bodyPr lIns="75663" tIns="37832" rIns="75663" bIns="37832"/>
+            <a:lstStyle/>
+            <a:p>
+              <a:pPr algn="ctr"/>
+              <a:r>
+                <a:rPr lang="en-GB" sz="4400" b="1" spc="-1" dirty="0" smtClean="0">
+                  <a:solidFill>
+                    <a:srgbClr val="FF8080"/>
+                  </a:solidFill>
+                  <a:uFill>
+                    <a:solidFill>
+                      <a:srgbClr val="FFFFFF"/>
+                    </a:solidFill>
+                  </a:uFill>
+                  <a:latin typeface="Helvetica Neue"/>
+                </a:rPr>
+                <a:t>Getting Started</a:t>
+              </a:r>
+              <a:endParaRPr lang="en-GB" sz="4400" b="1" spc="-1" dirty="0">
+                <a:solidFill>
+                  <a:srgbClr val="FF8080"/>
+                </a:solidFill>
+                <a:uFill>
+                  <a:solidFill>
+                    <a:srgbClr val="FFFFFF"/>
+                  </a:solidFill>
+                </a:uFill>
+                <a:latin typeface="Helvetica Neue"/>
+              </a:endParaRPr>
+            </a:p>
+          </p:txBody>
+        </p:sp>
+      </p:grpSp>
     </p:spTree>
   </p:cSld>
   <p:clrMapOvr>

--- a/anrw-berlin-16/pathspider-poster.pptx
+++ b/anrw-berlin-16/pathspider-poster.pptx
@@ -2718,8 +2718,8 @@
         </p:nvSpPr>
         <p:spPr>
           <a:xfrm>
-            <a:off x="605305" y="3397001"/>
-            <a:ext cx="24333236" cy="4025879"/>
+            <a:off x="605305" y="3397002"/>
+            <a:ext cx="24333236" cy="2990274"/>
           </a:xfrm>
           <a:prstGeom prst="rect">
             <a:avLst/>
@@ -2791,198 +2791,6 @@
           <a:p>
             <a:pPr algn="ctr"/>
             <a:endParaRPr lang="en-GB" sz="1513" spc="-1" dirty="0">
-              <a:solidFill>
-                <a:srgbClr val="000000"/>
-              </a:solidFill>
-              <a:uFill>
-                <a:solidFill>
-                  <a:srgbClr val="FFFFFF"/>
-                </a:solidFill>
-              </a:uFill>
-              <a:latin typeface="Helvetica Neue"/>
-            </a:endParaRPr>
-          </a:p>
-        </p:txBody>
-      </p:sp>
-      <p:sp>
-        <p:nvSpPr>
-          <p:cNvPr id="46" name="TextShape 2"/>
-          <p:cNvSpPr txBox="1"/>
-          <p:nvPr/>
-        </p:nvSpPr>
-        <p:spPr>
-          <a:xfrm>
-            <a:off x="1236032" y="6423523"/>
-            <a:ext cx="22915614" cy="1364961"/>
-          </a:xfrm>
-          <a:prstGeom prst="rect">
-            <a:avLst/>
-          </a:prstGeom>
-          <a:noFill/>
-          <a:ln>
-            <a:noFill/>
-          </a:ln>
-        </p:spPr>
-        <p:txBody>
-          <a:bodyPr lIns="75663" tIns="37832" rIns="75663" bIns="37832"/>
-          <a:lstStyle/>
-          <a:p>
-            <a:pPr algn="ctr"/>
-            <a:r>
-              <a:rPr lang="en-GB" sz="5044" spc="-1" dirty="0">
-                <a:solidFill>
-                  <a:srgbClr val="000000"/>
-                </a:solidFill>
-                <a:uFill>
-                  <a:solidFill>
-                    <a:srgbClr val="FFFFFF"/>
-                  </a:solidFill>
-                </a:uFill>
-                <a:latin typeface="Helvetica Neue"/>
-              </a:rPr>
-              <a:t>Iain Learmonth    Brian Trammell    </a:t>
-            </a:r>
-            <a:r>
-              <a:rPr lang="en-GB" sz="5044" spc="-1" dirty="0" err="1">
-                <a:solidFill>
-                  <a:srgbClr val="000000"/>
-                </a:solidFill>
-                <a:uFill>
-                  <a:solidFill>
-                    <a:srgbClr val="FFFFFF"/>
-                  </a:solidFill>
-                </a:uFill>
-                <a:latin typeface="Helvetica Neue"/>
-              </a:rPr>
-              <a:t>Mirja</a:t>
-            </a:r>
-            <a:r>
-              <a:rPr lang="en-GB" sz="5044" spc="-1" dirty="0">
-                <a:solidFill>
-                  <a:srgbClr val="000000"/>
-                </a:solidFill>
-                <a:uFill>
-                  <a:solidFill>
-                    <a:srgbClr val="FFFFFF"/>
-                  </a:solidFill>
-                </a:uFill>
-                <a:latin typeface="Helvetica Neue"/>
-              </a:rPr>
-              <a:t> K</a:t>
-            </a:r>
-            <a:r>
-              <a:rPr lang="en-US" sz="5044" spc="-1" dirty="0" err="1">
-                <a:solidFill>
-                  <a:srgbClr val="000000"/>
-                </a:solidFill>
-                <a:uFill>
-                  <a:solidFill>
-                    <a:srgbClr val="FFFFFF"/>
-                  </a:solidFill>
-                </a:uFill>
-                <a:latin typeface="Helvetica Neue"/>
-              </a:rPr>
-              <a:t>ü</a:t>
-            </a:r>
-            <a:r>
-              <a:rPr lang="en-GB" sz="5044" spc="-1" dirty="0" err="1">
-                <a:solidFill>
-                  <a:srgbClr val="000000"/>
-                </a:solidFill>
-                <a:uFill>
-                  <a:solidFill>
-                    <a:srgbClr val="FFFFFF"/>
-                  </a:solidFill>
-                </a:uFill>
-                <a:latin typeface="Helvetica Neue"/>
-              </a:rPr>
-              <a:t>hlewind</a:t>
-            </a:r>
-            <a:r>
-              <a:rPr lang="en-GB" sz="5044" spc="-1" dirty="0">
-                <a:solidFill>
-                  <a:srgbClr val="000000"/>
-                </a:solidFill>
-                <a:uFill>
-                  <a:solidFill>
-                    <a:srgbClr val="FFFFFF"/>
-                  </a:solidFill>
-                </a:uFill>
-                <a:latin typeface="Helvetica Neue"/>
-              </a:rPr>
-              <a:t>    </a:t>
-            </a:r>
-            <a:r>
-              <a:rPr lang="en-GB" sz="5044" spc="-1" dirty="0" err="1">
-                <a:solidFill>
-                  <a:srgbClr val="000000"/>
-                </a:solidFill>
-                <a:uFill>
-                  <a:solidFill>
-                    <a:srgbClr val="FFFFFF"/>
-                  </a:solidFill>
-                </a:uFill>
-                <a:latin typeface="Helvetica Neue"/>
-              </a:rPr>
-              <a:t>Gorry</a:t>
-            </a:r>
-            <a:r>
-              <a:rPr lang="en-GB" sz="5044" spc="-1" dirty="0">
-                <a:solidFill>
-                  <a:srgbClr val="000000"/>
-                </a:solidFill>
-                <a:uFill>
-                  <a:solidFill>
-                    <a:srgbClr val="FFFFFF"/>
-                  </a:solidFill>
-                </a:uFill>
-                <a:latin typeface="Helvetica Neue"/>
-              </a:rPr>
-              <a:t> </a:t>
-            </a:r>
-            <a:r>
-              <a:rPr lang="en-GB" sz="5044" spc="-1" dirty="0" err="1">
-                <a:solidFill>
-                  <a:srgbClr val="000000"/>
-                </a:solidFill>
-                <a:uFill>
-                  <a:solidFill>
-                    <a:srgbClr val="FFFFFF"/>
-                  </a:solidFill>
-                </a:uFill>
-                <a:latin typeface="Helvetica Neue"/>
-              </a:rPr>
-              <a:t>Fairhurst</a:t>
-            </a:r>
-            <a:endParaRPr lang="en-GB" sz="1513" spc="-1" dirty="0">
-              <a:solidFill>
-                <a:srgbClr val="000000"/>
-              </a:solidFill>
-              <a:uFill>
-                <a:solidFill>
-                  <a:srgbClr val="FFFFFF"/>
-                </a:solidFill>
-              </a:uFill>
-              <a:latin typeface="Helvetica Neue"/>
-            </a:endParaRPr>
-          </a:p>
-          <a:p>
-            <a:pPr algn="ctr"/>
-            <a:r>
-              <a:rPr lang="en-GB" sz="3699" spc="-1" dirty="0">
-                <a:solidFill>
-                  <a:srgbClr val="000000"/>
-                </a:solidFill>
-                <a:uFill>
-                  <a:solidFill>
-                    <a:srgbClr val="FFFFFF"/>
-                  </a:solidFill>
-                </a:uFill>
-                <a:latin typeface="Helvetica Neue"/>
-              </a:rPr>
-              <a:t>iain@erg.abdn.ac.uk trammell@tik.ee.ethz.ch mirja.kuelewind@tik.ee.ethz.ch gorry@erg.abdn.ac.uk</a:t>
-            </a:r>
-            <a:endParaRPr lang="en-GB" sz="1345" spc="-1" dirty="0">
               <a:solidFill>
                 <a:srgbClr val="000000"/>
               </a:solidFill>
@@ -3263,21 +3071,7 @@
                 </a:uFill>
                 <a:latin typeface="Helvetica Neue"/>
               </a:rPr>
-              <a:t>treatment. </a:t>
-            </a:r>
-            <a:r>
-              <a:rPr lang="en-GB" sz="3200" spc="-1" dirty="0">
-                <a:solidFill>
-                  <a:srgbClr val="000000"/>
-                </a:solidFill>
-                <a:uFill>
-                  <a:solidFill>
-                    <a:srgbClr val="FFFFFF"/>
-                  </a:solidFill>
-                </a:uFill>
-                <a:latin typeface="Helvetica Neue"/>
-              </a:rPr>
-              <a:t>T</a:t>
+              <a:t>treatment. T</a:t>
             </a:r>
             <a:r>
               <a:rPr lang="en-GB" sz="3200" spc="-1" dirty="0" smtClean="0">
@@ -3967,7 +3761,7 @@
         </p:nvSpPr>
         <p:spPr>
           <a:xfrm>
-            <a:off x="12846636" y="26443962"/>
+            <a:off x="13173206" y="26443962"/>
             <a:ext cx="10961190" cy="1270694"/>
           </a:xfrm>
           <a:prstGeom prst="rect">
@@ -3994,7 +3788,35 @@
                 </a:uFill>
                 <a:latin typeface="Helvetica Neue"/>
               </a:rPr>
-              <a:t>Initial study: 10006 out of 96978 (10.31%) of Alexa Top 100k websites had unexpected, non-zero DSCP values. More measurement is necessary to better characterize these anomalies.</a:t>
+              <a:t>Initial study: 10006 out of 96978 </a:t>
+            </a:r>
+            <a:r>
+              <a:rPr lang="en-GB" sz="2800" b="1" spc="-1" dirty="0">
+                <a:solidFill>
+                  <a:srgbClr val="000000"/>
+                </a:solidFill>
+                <a:uFill>
+                  <a:solidFill>
+                    <a:srgbClr val="FFFFFF"/>
+                  </a:solidFill>
+                </a:uFill>
+                <a:latin typeface="Helvetica Neue"/>
+              </a:rPr>
+              <a:t>(10.31%) </a:t>
+            </a:r>
+            <a:r>
+              <a:rPr lang="en-GB" sz="2800" spc="-1" dirty="0">
+                <a:solidFill>
+                  <a:srgbClr val="000000"/>
+                </a:solidFill>
+                <a:uFill>
+                  <a:solidFill>
+                    <a:srgbClr val="FFFFFF"/>
+                  </a:solidFill>
+                </a:uFill>
+                <a:latin typeface="Helvetica Neue"/>
+              </a:rPr>
+              <a:t>of Alexa Top 100k websites had unexpected, non-zero DSCP values. More measurement is necessary to better characterize these anomalies.</a:t>
             </a:r>
           </a:p>
         </p:txBody>
@@ -4031,7 +3853,7 @@
           <p:nvPr>
             <p:extLst>
               <p:ext uri="{D42A27DB-BD31-4B8C-83A1-F6EECF244321}">
-                <p14:modId xmlns:p14="http://schemas.microsoft.com/office/powerpoint/2010/main" val="1523256864"/>
+                <p14:modId xmlns:p14="http://schemas.microsoft.com/office/powerpoint/2010/main" val="879795257"/>
               </p:ext>
             </p:extLst>
           </p:nvPr>
@@ -4161,36 +3983,27 @@
                     <a:p>
                       <a:pPr algn="ctr"/>
                       <a:r>
-                        <a:rPr lang="en-US" sz="3000" dirty="0" smtClean="0">
+                        <a:rPr lang="en-US" sz="3000" baseline="0" dirty="0" smtClean="0">
                           <a:latin typeface="Helvetica Neue" charset="0"/>
                           <a:ea typeface="Helvetica Neue" charset="0"/>
                           <a:cs typeface="Helvetica Neue" charset="0"/>
                         </a:rPr>
-                        <a:t>Connectivity</a:t>
+                        <a:t>No ECN </a:t>
                       </a:r>
+                      <a:br>
+                        <a:rPr lang="en-US" sz="3000" baseline="0" dirty="0" smtClean="0">
+                          <a:latin typeface="Helvetica Neue" charset="0"/>
+                          <a:ea typeface="Helvetica Neue" charset="0"/>
+                          <a:cs typeface="Helvetica Neue" charset="0"/>
+                        </a:rPr>
+                      </a:br>
                       <a:r>
                         <a:rPr lang="en-US" sz="3000" baseline="0" dirty="0" smtClean="0">
                           <a:latin typeface="Helvetica Neue" charset="0"/>
                           <a:ea typeface="Helvetica Neue" charset="0"/>
                           <a:cs typeface="Helvetica Neue" charset="0"/>
                         </a:rPr>
-                        <a:t> </a:t>
-                      </a:r>
-                      <a:r>
-                        <a:rPr lang="en-US" sz="3000" baseline="0" dirty="0" err="1" smtClean="0">
-                          <a:latin typeface="Helvetica Neue" charset="0"/>
-                          <a:ea typeface="Helvetica Neue" charset="0"/>
-                          <a:cs typeface="Helvetica Neue" charset="0"/>
-                        </a:rPr>
-                        <a:t>indep</a:t>
-                      </a:r>
-                      <a:r>
-                        <a:rPr lang="en-US" sz="3000" baseline="0" dirty="0" smtClean="0">
-                          <a:latin typeface="Helvetica Neue" charset="0"/>
-                          <a:ea typeface="Helvetica Neue" charset="0"/>
-                          <a:cs typeface="Helvetica Neue" charset="0"/>
-                        </a:rPr>
-                        <a:t>. of ECN</a:t>
+                        <a:t>connectivity issues</a:t>
                       </a:r>
                       <a:endParaRPr lang="en-US" sz="3000" dirty="0">
                         <a:latin typeface="Helvetica Neue" charset="0"/>
@@ -4419,7 +4232,7 @@
         </p:nvSpPr>
         <p:spPr>
           <a:xfrm>
-            <a:off x="13091523" y="16943903"/>
+            <a:off x="13173206" y="16943903"/>
             <a:ext cx="9755086" cy="1023998"/>
           </a:xfrm>
           <a:prstGeom prst="rect">
@@ -4471,7 +4284,7 @@
         </p:nvSpPr>
         <p:spPr>
           <a:xfrm>
-            <a:off x="13021007" y="21282236"/>
+            <a:off x="13173206" y="21282236"/>
             <a:ext cx="10305744" cy="1023998"/>
           </a:xfrm>
           <a:prstGeom prst="rect">
@@ -4523,7 +4336,7 @@
         </p:nvSpPr>
         <p:spPr>
           <a:xfrm>
-            <a:off x="12926913" y="16267800"/>
+            <a:off x="12846636" y="16267800"/>
             <a:ext cx="9868214" cy="713272"/>
           </a:xfrm>
           <a:prstGeom prst="rect">
@@ -4654,7 +4467,7 @@
         </p:nvSpPr>
         <p:spPr>
           <a:xfrm>
-            <a:off x="12846636" y="28700790"/>
+            <a:off x="13173206" y="28700790"/>
             <a:ext cx="10961190" cy="1886191"/>
           </a:xfrm>
           <a:prstGeom prst="rect">
@@ -4681,7 +4494,35 @@
                 </a:uFill>
                 <a:latin typeface="Helvetica Neue"/>
               </a:rPr>
-              <a:t>Initial study: 330 IPv4 and 32 IPv6 addresses in Alexa Top 1M are TFO-capable (of which 278 and 28 are Google properties). </a:t>
+              <a:t>Initial study: </a:t>
+            </a:r>
+            <a:r>
+              <a:rPr lang="en-GB" sz="2800" b="1" spc="-1" dirty="0">
+                <a:solidFill>
+                  <a:srgbClr val="000000"/>
+                </a:solidFill>
+                <a:uFill>
+                  <a:solidFill>
+                    <a:srgbClr val="FFFFFF"/>
+                  </a:solidFill>
+                </a:uFill>
+                <a:latin typeface="Helvetica Neue"/>
+              </a:rPr>
+              <a:t>330 IPv4 and 32 IPv6</a:t>
+            </a:r>
+            <a:r>
+              <a:rPr lang="en-GB" sz="2800" spc="-1" dirty="0">
+                <a:solidFill>
+                  <a:srgbClr val="000000"/>
+                </a:solidFill>
+                <a:uFill>
+                  <a:solidFill>
+                    <a:srgbClr val="FFFFFF"/>
+                  </a:solidFill>
+                </a:uFill>
+                <a:latin typeface="Helvetica Neue"/>
+              </a:rPr>
+              <a:t> addresses in Alexa Top 1M are TFO-capable (of which 278 and 28 are Google properties). </a:t>
             </a:r>
             <a:r>
               <a:rPr lang="en-GB" sz="2800" spc="-1" dirty="0" err="1">
@@ -4957,7 +4798,23 @@
                 <a:ea typeface="Helvetica Neue" charset="0"/>
                 <a:cs typeface="Helvetica Neue" charset="0"/>
               </a:rPr>
-              <a:t>debian</a:t>
+              <a:t>D</a:t>
+            </a:r>
+            <a:r>
+              <a:rPr lang="en-US" sz="2800" dirty="0" err="1" smtClean="0">
+                <a:latin typeface="Helvetica Neue" charset="0"/>
+                <a:ea typeface="Helvetica Neue" charset="0"/>
+                <a:cs typeface="Helvetica Neue" charset="0"/>
+              </a:rPr>
+              <a:t>ebian</a:t>
+            </a:r>
+            <a:r>
+              <a:rPr lang="en-US" sz="2800" dirty="0" smtClean="0">
+                <a:latin typeface="Helvetica Neue" charset="0"/>
+                <a:ea typeface="Helvetica Neue" charset="0"/>
+                <a:cs typeface="Helvetica Neue" charset="0"/>
+              </a:rPr>
+              <a:t> </a:t>
             </a:r>
             <a:r>
               <a:rPr lang="en-US" sz="2800" dirty="0">
@@ -4965,7 +4822,7 @@
                 <a:ea typeface="Helvetica Neue" charset="0"/>
                 <a:cs typeface="Helvetica Neue" charset="0"/>
               </a:rPr>
-              <a:t> unstable: </a:t>
+              <a:t>unstable: </a:t>
             </a:r>
           </a:p>
           <a:p>
@@ -5442,6 +5299,476 @@
                 </a:uFill>
                 <a:latin typeface="Helvetica Neue"/>
               </a:endParaRPr>
+            </a:p>
+          </p:txBody>
+        </p:sp>
+      </p:grpSp>
+      <p:grpSp>
+        <p:nvGrpSpPr>
+          <p:cNvPr id="12" name="Group 11"/>
+          <p:cNvGrpSpPr/>
+          <p:nvPr/>
+        </p:nvGrpSpPr>
+        <p:grpSpPr>
+          <a:xfrm>
+            <a:off x="938222" y="6430354"/>
+            <a:ext cx="4635884" cy="1397433"/>
+            <a:chOff x="938222" y="6430354"/>
+            <a:chExt cx="4635884" cy="1397433"/>
+          </a:xfrm>
+        </p:grpSpPr>
+        <p:sp>
+          <p:nvSpPr>
+            <p:cNvPr id="2" name="Rectangle 1"/>
+            <p:cNvSpPr/>
+            <p:nvPr/>
+          </p:nvSpPr>
+          <p:spPr>
+            <a:xfrm>
+              <a:off x="938222" y="6430354"/>
+              <a:ext cx="4635884" cy="861774"/>
+            </a:xfrm>
+            <a:prstGeom prst="rect">
+              <a:avLst/>
+            </a:prstGeom>
+          </p:spPr>
+          <p:txBody>
+            <a:bodyPr wrap="none">
+              <a:spAutoFit/>
+            </a:bodyPr>
+            <a:lstStyle/>
+            <a:p>
+              <a:r>
+                <a:rPr lang="en-GB" sz="5000" spc="-1" dirty="0">
+                  <a:solidFill>
+                    <a:srgbClr val="000000"/>
+                  </a:solidFill>
+                  <a:uFill>
+                    <a:solidFill>
+                      <a:srgbClr val="FFFFFF"/>
+                    </a:solidFill>
+                  </a:uFill>
+                  <a:latin typeface="Helvetica Neue"/>
+                </a:rPr>
+                <a:t>Iain </a:t>
+              </a:r>
+              <a:r>
+                <a:rPr lang="en-GB" sz="5000" spc="-1" dirty="0" err="1">
+                  <a:solidFill>
+                    <a:srgbClr val="000000"/>
+                  </a:solidFill>
+                  <a:uFill>
+                    <a:solidFill>
+                      <a:srgbClr val="FFFFFF"/>
+                    </a:solidFill>
+                  </a:uFill>
+                  <a:latin typeface="Helvetica Neue"/>
+                </a:rPr>
+                <a:t>Learmonth</a:t>
+              </a:r>
+              <a:r>
+                <a:rPr lang="en-GB" sz="5000" spc="-1" dirty="0">
+                  <a:solidFill>
+                    <a:srgbClr val="000000"/>
+                  </a:solidFill>
+                  <a:uFill>
+                    <a:solidFill>
+                      <a:srgbClr val="FFFFFF"/>
+                    </a:solidFill>
+                  </a:uFill>
+                  <a:latin typeface="Helvetica Neue"/>
+                </a:rPr>
+                <a:t> </a:t>
+              </a:r>
+              <a:endParaRPr lang="en-US" sz="5000" dirty="0"/>
+            </a:p>
+          </p:txBody>
+        </p:sp>
+        <p:sp>
+          <p:nvSpPr>
+            <p:cNvPr id="10" name="Rectangle 9"/>
+            <p:cNvSpPr/>
+            <p:nvPr/>
+          </p:nvSpPr>
+          <p:spPr>
+            <a:xfrm>
+              <a:off x="1083614" y="7181456"/>
+              <a:ext cx="4345100" cy="646331"/>
+            </a:xfrm>
+            <a:prstGeom prst="rect">
+              <a:avLst/>
+            </a:prstGeom>
+          </p:spPr>
+          <p:txBody>
+            <a:bodyPr wrap="none">
+              <a:spAutoFit/>
+            </a:bodyPr>
+            <a:lstStyle/>
+            <a:p>
+              <a:r>
+                <a:rPr lang="en-GB" sz="3600" spc="-1" dirty="0" err="1">
+                  <a:solidFill>
+                    <a:srgbClr val="000000"/>
+                  </a:solidFill>
+                  <a:uFill>
+                    <a:solidFill>
+                      <a:srgbClr val="FFFFFF"/>
+                    </a:solidFill>
+                  </a:uFill>
+                  <a:latin typeface="Helvetica Neue"/>
+                </a:rPr>
+                <a:t>iain@erg.abdn.ac.uk</a:t>
+              </a:r>
+              <a:endParaRPr lang="en-US" sz="3600" dirty="0"/>
+            </a:p>
+          </p:txBody>
+        </p:sp>
+      </p:grpSp>
+      <p:grpSp>
+        <p:nvGrpSpPr>
+          <p:cNvPr id="15" name="Group 14"/>
+          <p:cNvGrpSpPr/>
+          <p:nvPr/>
+        </p:nvGrpSpPr>
+        <p:grpSpPr>
+          <a:xfrm>
+            <a:off x="19804753" y="6430354"/>
+            <a:ext cx="4702441" cy="1397433"/>
+            <a:chOff x="19963781" y="6430354"/>
+            <a:chExt cx="4702441" cy="1397433"/>
+          </a:xfrm>
+        </p:grpSpPr>
+        <p:sp>
+          <p:nvSpPr>
+            <p:cNvPr id="62" name="Rectangle 61"/>
+            <p:cNvSpPr/>
+            <p:nvPr/>
+          </p:nvSpPr>
+          <p:spPr>
+            <a:xfrm>
+              <a:off x="20074804" y="6430354"/>
+              <a:ext cx="4480394" cy="861774"/>
+            </a:xfrm>
+            <a:prstGeom prst="rect">
+              <a:avLst/>
+            </a:prstGeom>
+          </p:spPr>
+          <p:txBody>
+            <a:bodyPr wrap="none">
+              <a:spAutoFit/>
+            </a:bodyPr>
+            <a:lstStyle/>
+            <a:p>
+              <a:r>
+                <a:rPr lang="en-US" sz="5000" spc="-1" dirty="0" err="1" smtClean="0">
+                  <a:solidFill>
+                    <a:srgbClr val="000000"/>
+                  </a:solidFill>
+                  <a:uFill>
+                    <a:solidFill>
+                      <a:srgbClr val="FFFFFF"/>
+                    </a:solidFill>
+                  </a:uFill>
+                  <a:latin typeface="Helvetica Neue"/>
+                </a:rPr>
+                <a:t>Gorry</a:t>
+              </a:r>
+              <a:r>
+                <a:rPr lang="en-US" sz="5000" spc="-1" dirty="0" smtClean="0">
+                  <a:solidFill>
+                    <a:srgbClr val="000000"/>
+                  </a:solidFill>
+                  <a:uFill>
+                    <a:solidFill>
+                      <a:srgbClr val="FFFFFF"/>
+                    </a:solidFill>
+                  </a:uFill>
+                  <a:latin typeface="Helvetica Neue"/>
+                </a:rPr>
+                <a:t> </a:t>
+              </a:r>
+              <a:r>
+                <a:rPr lang="en-US" sz="5000" spc="-1" dirty="0" err="1" smtClean="0">
+                  <a:solidFill>
+                    <a:srgbClr val="000000"/>
+                  </a:solidFill>
+                  <a:uFill>
+                    <a:solidFill>
+                      <a:srgbClr val="FFFFFF"/>
+                    </a:solidFill>
+                  </a:uFill>
+                  <a:latin typeface="Helvetica Neue"/>
+                </a:rPr>
+                <a:t>Fairhurst</a:t>
+              </a:r>
+              <a:endParaRPr lang="en-US" sz="5000" dirty="0"/>
+            </a:p>
+          </p:txBody>
+        </p:sp>
+        <p:sp>
+          <p:nvSpPr>
+            <p:cNvPr id="67" name="Rectangle 66"/>
+            <p:cNvSpPr/>
+            <p:nvPr/>
+          </p:nvSpPr>
+          <p:spPr>
+            <a:xfrm>
+              <a:off x="19963781" y="7181456"/>
+              <a:ext cx="4702441" cy="646331"/>
+            </a:xfrm>
+            <a:prstGeom prst="rect">
+              <a:avLst/>
+            </a:prstGeom>
+          </p:spPr>
+          <p:txBody>
+            <a:bodyPr wrap="none">
+              <a:spAutoFit/>
+            </a:bodyPr>
+            <a:lstStyle/>
+            <a:p>
+              <a:r>
+                <a:rPr lang="en-GB" sz="3600" spc="-1" dirty="0" err="1" smtClean="0">
+                  <a:solidFill>
+                    <a:srgbClr val="000000"/>
+                  </a:solidFill>
+                  <a:uFill>
+                    <a:solidFill>
+                      <a:srgbClr val="FFFFFF"/>
+                    </a:solidFill>
+                  </a:uFill>
+                  <a:latin typeface="Helvetica Neue"/>
+                </a:rPr>
+                <a:t>gorry@erg.abdn.ac.uk</a:t>
+              </a:r>
+              <a:endParaRPr lang="en-US" sz="3600" dirty="0"/>
+            </a:p>
+          </p:txBody>
+        </p:sp>
+      </p:grpSp>
+      <p:grpSp>
+        <p:nvGrpSpPr>
+          <p:cNvPr id="13" name="Group 12"/>
+          <p:cNvGrpSpPr/>
+          <p:nvPr/>
+        </p:nvGrpSpPr>
+        <p:grpSpPr>
+          <a:xfrm>
+            <a:off x="6368882" y="6430354"/>
+            <a:ext cx="5086905" cy="1397433"/>
+            <a:chOff x="7139075" y="6430354"/>
+            <a:chExt cx="5086905" cy="1397433"/>
+          </a:xfrm>
+        </p:grpSpPr>
+        <p:sp>
+          <p:nvSpPr>
+            <p:cNvPr id="48" name="Rectangle 47"/>
+            <p:cNvSpPr/>
+            <p:nvPr/>
+          </p:nvSpPr>
+          <p:spPr>
+            <a:xfrm>
+              <a:off x="7458938" y="6430354"/>
+              <a:ext cx="4447179" cy="861774"/>
+            </a:xfrm>
+            <a:prstGeom prst="rect">
+              <a:avLst/>
+            </a:prstGeom>
+          </p:spPr>
+          <p:txBody>
+            <a:bodyPr wrap="none">
+              <a:spAutoFit/>
+            </a:bodyPr>
+            <a:lstStyle/>
+            <a:p>
+              <a:r>
+                <a:rPr lang="en-GB" sz="5000" spc="-1" dirty="0" smtClean="0">
+                  <a:solidFill>
+                    <a:srgbClr val="000000"/>
+                  </a:solidFill>
+                  <a:uFill>
+                    <a:solidFill>
+                      <a:srgbClr val="FFFFFF"/>
+                    </a:solidFill>
+                  </a:uFill>
+                  <a:latin typeface="Helvetica Neue"/>
+                </a:rPr>
+                <a:t>Brian Trammell</a:t>
+              </a:r>
+              <a:endParaRPr lang="en-US" sz="5000" dirty="0"/>
+            </a:p>
+          </p:txBody>
+        </p:sp>
+        <p:sp>
+          <p:nvSpPr>
+            <p:cNvPr id="70" name="Rectangle 69"/>
+            <p:cNvSpPr/>
+            <p:nvPr/>
+          </p:nvSpPr>
+          <p:spPr>
+            <a:xfrm>
+              <a:off x="7139075" y="7181456"/>
+              <a:ext cx="5086905" cy="646331"/>
+            </a:xfrm>
+            <a:prstGeom prst="rect">
+              <a:avLst/>
+            </a:prstGeom>
+          </p:spPr>
+          <p:txBody>
+            <a:bodyPr wrap="none">
+              <a:spAutoFit/>
+            </a:bodyPr>
+            <a:lstStyle/>
+            <a:p>
+              <a:r>
+                <a:rPr lang="en-GB" sz="3600" spc="-1" dirty="0" err="1" smtClean="0">
+                  <a:solidFill>
+                    <a:srgbClr val="000000"/>
+                  </a:solidFill>
+                  <a:uFill>
+                    <a:solidFill>
+                      <a:srgbClr val="FFFFFF"/>
+                    </a:solidFill>
+                  </a:uFill>
+                  <a:latin typeface="Helvetica Neue"/>
+                </a:rPr>
+                <a:t>trammell@tik.ee.ethz.ch</a:t>
+              </a:r>
+              <a:endParaRPr lang="en-US" sz="3600" dirty="0"/>
+            </a:p>
+          </p:txBody>
+        </p:sp>
+      </p:grpSp>
+      <p:grpSp>
+        <p:nvGrpSpPr>
+          <p:cNvPr id="14" name="Group 13"/>
+          <p:cNvGrpSpPr/>
+          <p:nvPr/>
+        </p:nvGrpSpPr>
+        <p:grpSpPr>
+          <a:xfrm>
+            <a:off x="12250563" y="6430354"/>
+            <a:ext cx="6759415" cy="1397433"/>
+            <a:chOff x="12731387" y="6430354"/>
+            <a:chExt cx="6759415" cy="1397433"/>
+          </a:xfrm>
+        </p:grpSpPr>
+        <p:sp>
+          <p:nvSpPr>
+            <p:cNvPr id="61" name="Rectangle 60"/>
+            <p:cNvSpPr/>
+            <p:nvPr/>
+          </p:nvSpPr>
+          <p:spPr>
+            <a:xfrm>
+              <a:off x="13734642" y="6430354"/>
+              <a:ext cx="4752904" cy="861774"/>
+            </a:xfrm>
+            <a:prstGeom prst="rect">
+              <a:avLst/>
+            </a:prstGeom>
+          </p:spPr>
+          <p:txBody>
+            <a:bodyPr wrap="none">
+              <a:spAutoFit/>
+            </a:bodyPr>
+            <a:lstStyle/>
+            <a:p>
+              <a:r>
+                <a:rPr lang="en-GB" sz="5000" spc="-1" dirty="0" err="1" smtClean="0">
+                  <a:solidFill>
+                    <a:srgbClr val="000000"/>
+                  </a:solidFill>
+                  <a:uFill>
+                    <a:solidFill>
+                      <a:srgbClr val="FFFFFF"/>
+                    </a:solidFill>
+                  </a:uFill>
+                  <a:latin typeface="Helvetica Neue"/>
+                </a:rPr>
+                <a:t>Mirja</a:t>
+              </a:r>
+              <a:r>
+                <a:rPr lang="en-GB" sz="5000" spc="-1" dirty="0" smtClean="0">
+                  <a:solidFill>
+                    <a:srgbClr val="000000"/>
+                  </a:solidFill>
+                  <a:uFill>
+                    <a:solidFill>
+                      <a:srgbClr val="FFFFFF"/>
+                    </a:solidFill>
+                  </a:uFill>
+                  <a:latin typeface="Helvetica Neue"/>
+                </a:rPr>
+                <a:t> K</a:t>
+              </a:r>
+              <a:r>
+                <a:rPr lang="en-US" sz="5000" spc="-1" dirty="0" err="1" smtClean="0">
+                  <a:solidFill>
+                    <a:srgbClr val="000000"/>
+                  </a:solidFill>
+                  <a:uFill>
+                    <a:solidFill>
+                      <a:srgbClr val="FFFFFF"/>
+                    </a:solidFill>
+                  </a:uFill>
+                  <a:latin typeface="Helvetica Neue"/>
+                </a:rPr>
+                <a:t>ühlewind</a:t>
+              </a:r>
+              <a:endParaRPr lang="en-US" sz="5000" dirty="0"/>
+            </a:p>
+          </p:txBody>
+        </p:sp>
+        <p:sp>
+          <p:nvSpPr>
+            <p:cNvPr id="71" name="Rectangle 70"/>
+            <p:cNvSpPr/>
+            <p:nvPr/>
+          </p:nvSpPr>
+          <p:spPr>
+            <a:xfrm>
+              <a:off x="12731387" y="7181456"/>
+              <a:ext cx="6759415" cy="646331"/>
+            </a:xfrm>
+            <a:prstGeom prst="rect">
+              <a:avLst/>
+            </a:prstGeom>
+          </p:spPr>
+          <p:txBody>
+            <a:bodyPr wrap="none">
+              <a:spAutoFit/>
+            </a:bodyPr>
+            <a:lstStyle/>
+            <a:p>
+              <a:r>
+                <a:rPr lang="en-GB" sz="3600" spc="-1" dirty="0" err="1">
+                  <a:solidFill>
+                    <a:srgbClr val="000000"/>
+                  </a:solidFill>
+                  <a:uFill>
+                    <a:solidFill>
+                      <a:srgbClr val="FFFFFF"/>
+                    </a:solidFill>
+                  </a:uFill>
+                  <a:latin typeface="Helvetica Neue"/>
+                </a:rPr>
+                <a:t>m</a:t>
+              </a:r>
+              <a:r>
+                <a:rPr lang="en-GB" sz="3600" spc="-1" dirty="0" err="1" smtClean="0">
+                  <a:solidFill>
+                    <a:srgbClr val="000000"/>
+                  </a:solidFill>
+                  <a:uFill>
+                    <a:solidFill>
+                      <a:srgbClr val="FFFFFF"/>
+                    </a:solidFill>
+                  </a:uFill>
+                  <a:latin typeface="Helvetica Neue"/>
+                </a:rPr>
+                <a:t>irja.kuehlewind@tik.ee.ethz.ch</a:t>
+              </a:r>
+              <a:endParaRPr lang="en-US" sz="3600" dirty="0"/>
             </a:p>
           </p:txBody>
         </p:sp>

--- a/anrw-berlin-16/pathspider-poster.pptx
+++ b/anrw-berlin-16/pathspider-poster.pptx
@@ -4233,7 +4233,7 @@
         <p:spPr>
           <a:xfrm>
             <a:off x="13173206" y="16943903"/>
-            <a:ext cx="9755086" cy="1023998"/>
+            <a:ext cx="9755086" cy="989053"/>
           </a:xfrm>
           <a:prstGeom prst="rect">
             <a:avLst/>
@@ -4257,7 +4257,91 @@
                 </a:uFill>
                 <a:latin typeface="Helvetica Neue"/>
               </a:rPr>
-              <a:t>An ECN measurement from one vantage point at Digital Ocean near AMSIX (Amsterdam NL) on June 13, 2016</a:t>
+              <a:t>S</a:t>
+            </a:r>
+            <a:r>
+              <a:rPr lang="en-GB" sz="2800" spc="-1" dirty="0" smtClean="0">
+                <a:solidFill>
+                  <a:srgbClr val="000000"/>
+                </a:solidFill>
+                <a:uFill>
+                  <a:solidFill>
+                    <a:srgbClr val="FFFFFF"/>
+                  </a:solidFill>
+                </a:uFill>
+                <a:latin typeface="Helvetica Neue"/>
+              </a:rPr>
+              <a:t>tate of ECN server-side deployment, as measured from</a:t>
+            </a:r>
+            <a:r>
+              <a:rPr lang="en-GB" sz="2800" spc="-1" dirty="0">
+                <a:solidFill>
+                  <a:srgbClr val="000000"/>
+                </a:solidFill>
+                <a:uFill>
+                  <a:solidFill>
+                    <a:srgbClr val="FFFFFF"/>
+                  </a:solidFill>
+                </a:uFill>
+                <a:latin typeface="Helvetica Neue"/>
+              </a:rPr>
+              <a:t> </a:t>
+            </a:r>
+            <a:r>
+              <a:rPr lang="en-GB" sz="2800" spc="-1" dirty="0" smtClean="0">
+                <a:solidFill>
+                  <a:srgbClr val="000000"/>
+                </a:solidFill>
+                <a:uFill>
+                  <a:solidFill>
+                    <a:srgbClr val="FFFFFF"/>
+                  </a:solidFill>
+                </a:uFill>
+                <a:latin typeface="Helvetica Neue"/>
+              </a:rPr>
+              <a:t>a </a:t>
+            </a:r>
+            <a:r>
+              <a:rPr lang="en-GB" sz="2800" spc="-1" dirty="0" smtClean="0">
+                <a:solidFill>
+                  <a:srgbClr val="000000"/>
+                </a:solidFill>
+                <a:uFill>
+                  <a:solidFill>
+                    <a:srgbClr val="FFFFFF"/>
+                  </a:solidFill>
+                </a:uFill>
+                <a:latin typeface="Helvetica Neue"/>
+              </a:rPr>
+              <a:t>Digital Ocean vantage point </a:t>
+            </a:r>
+            <a:r>
+              <a:rPr lang="en-GB" sz="2800" spc="-1" dirty="0" smtClean="0">
+                <a:solidFill>
+                  <a:srgbClr val="000000"/>
+                </a:solidFill>
+                <a:uFill>
+                  <a:solidFill>
+                    <a:srgbClr val="FFFFFF"/>
+                  </a:solidFill>
+                </a:uFill>
+                <a:latin typeface="Helvetica Neue"/>
+              </a:rPr>
+              <a:t>in </a:t>
+            </a:r>
+            <a:r>
+              <a:rPr lang="en-GB" sz="2800" spc="-1" smtClean="0">
+                <a:solidFill>
+                  <a:srgbClr val="000000"/>
+                </a:solidFill>
+                <a:uFill>
+                  <a:solidFill>
+                    <a:srgbClr val="FFFFFF"/>
+                  </a:solidFill>
+                </a:uFill>
+                <a:latin typeface="Helvetica Neue"/>
+              </a:rPr>
+              <a:t>Amsterdam on 13 June 2016</a:t>
             </a:r>
             <a:r>
               <a:rPr lang="en-GB" sz="3027" spc="-1" dirty="0">
